--- a/UE5_ppt/nanite简析.pptx
+++ b/UE5_ppt/nanite简析.pptx
@@ -4,6 +4,9 @@
   <p:sldMasterIdLst>
     <p:sldMasterId id="2147483648" r:id="rId1"/>
   </p:sldMasterIdLst>
+  <p:notesMasterIdLst>
+    <p:notesMasterId r:id="rId22"/>
+  </p:notesMasterIdLst>
   <p:sldIdLst>
     <p:sldId id="256" r:id="rId2"/>
     <p:sldId id="257" r:id="rId3"/>
@@ -19,6 +22,12 @@
     <p:sldId id="269" r:id="rId13"/>
     <p:sldId id="270" r:id="rId14"/>
     <p:sldId id="268" r:id="rId15"/>
+    <p:sldId id="272" r:id="rId16"/>
+    <p:sldId id="271" r:id="rId17"/>
+    <p:sldId id="274" r:id="rId18"/>
+    <p:sldId id="275" r:id="rId19"/>
+    <p:sldId id="273" r:id="rId20"/>
+    <p:sldId id="276" r:id="rId21"/>
   </p:sldIdLst>
   <p:sldSz cx="12192000" cy="6858000"/>
   <p:notesSz cx="6858000" cy="9144000"/>
@@ -123,6 +132,440 @@
     </p:ext>
   </p:extLst>
 </p:presentation>
+</file>
+
+<file path=ppt/notesMasters/notesMaster1.xml><?xml version="1.0" encoding="utf-8"?>
+<p:notesMaster xmlns:a="http://schemas.openxmlformats.org/drawingml/2006/main" xmlns:r="http://schemas.openxmlformats.org/officeDocument/2006/relationships" xmlns:p="http://schemas.openxmlformats.org/presentationml/2006/main">
+  <p:cSld>
+    <p:bg>
+      <p:bgRef idx="1001">
+        <a:schemeClr val="bg1"/>
+      </p:bgRef>
+    </p:bg>
+    <p:spTree>
+      <p:nvGrpSpPr>
+        <p:cNvPr id="1" name=""/>
+        <p:cNvGrpSpPr/>
+        <p:nvPr/>
+      </p:nvGrpSpPr>
+      <p:grpSpPr>
+        <a:xfrm>
+          <a:off x="0" y="0"/>
+          <a:ext cx="0" cy="0"/>
+          <a:chOff x="0" y="0"/>
+          <a:chExt cx="0" cy="0"/>
+        </a:xfrm>
+      </p:grpSpPr>
+      <p:sp>
+        <p:nvSpPr>
+          <p:cNvPr id="2" name="页眉占位符 1"/>
+          <p:cNvSpPr>
+            <a:spLocks noGrp="1"/>
+          </p:cNvSpPr>
+          <p:nvPr>
+            <p:ph type="hdr" sz="quarter"/>
+          </p:nvPr>
+        </p:nvSpPr>
+        <p:spPr>
+          <a:xfrm>
+            <a:off x="0" y="0"/>
+            <a:ext cx="2971800" cy="458788"/>
+          </a:xfrm>
+          <a:prstGeom prst="rect">
+            <a:avLst/>
+          </a:prstGeom>
+        </p:spPr>
+        <p:txBody>
+          <a:bodyPr vert="horz" lIns="91440" tIns="45720" rIns="91440" bIns="45720" rtlCol="0"/>
+          <a:lstStyle>
+            <a:lvl1pPr algn="l">
+              <a:defRPr sz="1200"/>
+            </a:lvl1pPr>
+          </a:lstStyle>
+          <a:p>
+            <a:endParaRPr lang="zh-CN" altLang="en-US"/>
+          </a:p>
+        </p:txBody>
+      </p:sp>
+      <p:sp>
+        <p:nvSpPr>
+          <p:cNvPr id="3" name="日期占位符 2"/>
+          <p:cNvSpPr>
+            <a:spLocks noGrp="1"/>
+          </p:cNvSpPr>
+          <p:nvPr>
+            <p:ph type="dt" idx="1"/>
+          </p:nvPr>
+        </p:nvSpPr>
+        <p:spPr>
+          <a:xfrm>
+            <a:off x="3884613" y="0"/>
+            <a:ext cx="2971800" cy="458788"/>
+          </a:xfrm>
+          <a:prstGeom prst="rect">
+            <a:avLst/>
+          </a:prstGeom>
+        </p:spPr>
+        <p:txBody>
+          <a:bodyPr vert="horz" lIns="91440" tIns="45720" rIns="91440" bIns="45720" rtlCol="0"/>
+          <a:lstStyle>
+            <a:lvl1pPr algn="r">
+              <a:defRPr sz="1200"/>
+            </a:lvl1pPr>
+          </a:lstStyle>
+          <a:p>
+            <a:fld id="{8EE575D4-6A92-4613-8274-48759A4B2E7F}" type="datetimeFigureOut">
+              <a:rPr lang="zh-CN" altLang="en-US" smtClean="0"/>
+              <a:t>2021/6/27</a:t>
+            </a:fld>
+            <a:endParaRPr lang="zh-CN" altLang="en-US"/>
+          </a:p>
+        </p:txBody>
+      </p:sp>
+      <p:sp>
+        <p:nvSpPr>
+          <p:cNvPr id="4" name="幻灯片图像占位符 3"/>
+          <p:cNvSpPr>
+            <a:spLocks noGrp="1" noRot="1" noChangeAspect="1"/>
+          </p:cNvSpPr>
+          <p:nvPr>
+            <p:ph type="sldImg" idx="2"/>
+          </p:nvPr>
+        </p:nvSpPr>
+        <p:spPr>
+          <a:xfrm>
+            <a:off x="685800" y="1143000"/>
+            <a:ext cx="5486400" cy="3086100"/>
+          </a:xfrm>
+          <a:prstGeom prst="rect">
+            <a:avLst/>
+          </a:prstGeom>
+          <a:noFill/>
+          <a:ln w="12700">
+            <a:solidFill>
+              <a:prstClr val="black"/>
+            </a:solidFill>
+          </a:ln>
+        </p:spPr>
+        <p:txBody>
+          <a:bodyPr vert="horz" lIns="91440" tIns="45720" rIns="91440" bIns="45720" rtlCol="0" anchor="ctr"/>
+          <a:lstStyle/>
+          <a:p>
+            <a:endParaRPr lang="zh-CN" altLang="en-US"/>
+          </a:p>
+        </p:txBody>
+      </p:sp>
+      <p:sp>
+        <p:nvSpPr>
+          <p:cNvPr id="5" name="备注占位符 4"/>
+          <p:cNvSpPr>
+            <a:spLocks noGrp="1"/>
+          </p:cNvSpPr>
+          <p:nvPr>
+            <p:ph type="body" sz="quarter" idx="3"/>
+          </p:nvPr>
+        </p:nvSpPr>
+        <p:spPr>
+          <a:xfrm>
+            <a:off x="685800" y="4400550"/>
+            <a:ext cx="5486400" cy="3600450"/>
+          </a:xfrm>
+          <a:prstGeom prst="rect">
+            <a:avLst/>
+          </a:prstGeom>
+        </p:spPr>
+        <p:txBody>
+          <a:bodyPr vert="horz" lIns="91440" tIns="45720" rIns="91440" bIns="45720" rtlCol="0"/>
+          <a:lstStyle/>
+          <a:p>
+            <a:pPr lvl="0"/>
+            <a:r>
+              <a:rPr lang="zh-CN" altLang="en-US" smtClean="0"/>
+              <a:t>编辑母版文本样式</a:t>
+            </a:r>
+          </a:p>
+          <a:p>
+            <a:pPr lvl="1"/>
+            <a:r>
+              <a:rPr lang="zh-CN" altLang="en-US" smtClean="0"/>
+              <a:t>第二级</a:t>
+            </a:r>
+          </a:p>
+          <a:p>
+            <a:pPr lvl="2"/>
+            <a:r>
+              <a:rPr lang="zh-CN" altLang="en-US" smtClean="0"/>
+              <a:t>第三级</a:t>
+            </a:r>
+          </a:p>
+          <a:p>
+            <a:pPr lvl="3"/>
+            <a:r>
+              <a:rPr lang="zh-CN" altLang="en-US" smtClean="0"/>
+              <a:t>第四级</a:t>
+            </a:r>
+          </a:p>
+          <a:p>
+            <a:pPr lvl="4"/>
+            <a:r>
+              <a:rPr lang="zh-CN" altLang="en-US" smtClean="0"/>
+              <a:t>第五级</a:t>
+            </a:r>
+            <a:endParaRPr lang="zh-CN" altLang="en-US"/>
+          </a:p>
+        </p:txBody>
+      </p:sp>
+      <p:sp>
+        <p:nvSpPr>
+          <p:cNvPr id="6" name="页脚占位符 5"/>
+          <p:cNvSpPr>
+            <a:spLocks noGrp="1"/>
+          </p:cNvSpPr>
+          <p:nvPr>
+            <p:ph type="ftr" sz="quarter" idx="4"/>
+          </p:nvPr>
+        </p:nvSpPr>
+        <p:spPr>
+          <a:xfrm>
+            <a:off x="0" y="8685213"/>
+            <a:ext cx="2971800" cy="458787"/>
+          </a:xfrm>
+          <a:prstGeom prst="rect">
+            <a:avLst/>
+          </a:prstGeom>
+        </p:spPr>
+        <p:txBody>
+          <a:bodyPr vert="horz" lIns="91440" tIns="45720" rIns="91440" bIns="45720" rtlCol="0" anchor="b"/>
+          <a:lstStyle>
+            <a:lvl1pPr algn="l">
+              <a:defRPr sz="1200"/>
+            </a:lvl1pPr>
+          </a:lstStyle>
+          <a:p>
+            <a:endParaRPr lang="zh-CN" altLang="en-US"/>
+          </a:p>
+        </p:txBody>
+      </p:sp>
+      <p:sp>
+        <p:nvSpPr>
+          <p:cNvPr id="7" name="灯片编号占位符 6"/>
+          <p:cNvSpPr>
+            <a:spLocks noGrp="1"/>
+          </p:cNvSpPr>
+          <p:nvPr>
+            <p:ph type="sldNum" sz="quarter" idx="5"/>
+          </p:nvPr>
+        </p:nvSpPr>
+        <p:spPr>
+          <a:xfrm>
+            <a:off x="3884613" y="8685213"/>
+            <a:ext cx="2971800" cy="458787"/>
+          </a:xfrm>
+          <a:prstGeom prst="rect">
+            <a:avLst/>
+          </a:prstGeom>
+        </p:spPr>
+        <p:txBody>
+          <a:bodyPr vert="horz" lIns="91440" tIns="45720" rIns="91440" bIns="45720" rtlCol="0" anchor="b"/>
+          <a:lstStyle>
+            <a:lvl1pPr algn="r">
+              <a:defRPr sz="1200"/>
+            </a:lvl1pPr>
+          </a:lstStyle>
+          <a:p>
+            <a:fld id="{4F2EF84B-1240-44D1-B15D-4B13AC5BCC2E}" type="slidenum">
+              <a:rPr lang="zh-CN" altLang="en-US" smtClean="0"/>
+              <a:t>‹#›</a:t>
+            </a:fld>
+            <a:endParaRPr lang="zh-CN" altLang="en-US"/>
+          </a:p>
+        </p:txBody>
+      </p:sp>
+    </p:spTree>
+    <p:extLst>
+      <p:ext uri="{BB962C8B-B14F-4D97-AF65-F5344CB8AC3E}">
+        <p14:creationId xmlns:p14="http://schemas.microsoft.com/office/powerpoint/2010/main" val="2232052710"/>
+      </p:ext>
+    </p:extLst>
+  </p:cSld>
+  <p:clrMap bg1="lt1" tx1="dk1" bg2="lt2" tx2="dk2" accent1="accent1" accent2="accent2" accent3="accent3" accent4="accent4" accent5="accent5" accent6="accent6" hlink="hlink" folHlink="folHlink"/>
+  <p:notesStyle>
+    <a:lvl1pPr marL="0" algn="l" defTabSz="914400" rtl="0" eaLnBrk="1" latinLnBrk="0" hangingPunct="1">
+      <a:defRPr sz="1200" kern="1200">
+        <a:solidFill>
+          <a:schemeClr val="tx1"/>
+        </a:solidFill>
+        <a:latin typeface="+mn-lt"/>
+        <a:ea typeface="+mn-ea"/>
+        <a:cs typeface="+mn-cs"/>
+      </a:defRPr>
+    </a:lvl1pPr>
+    <a:lvl2pPr marL="457200" algn="l" defTabSz="914400" rtl="0" eaLnBrk="1" latinLnBrk="0" hangingPunct="1">
+      <a:defRPr sz="1200" kern="1200">
+        <a:solidFill>
+          <a:schemeClr val="tx1"/>
+        </a:solidFill>
+        <a:latin typeface="+mn-lt"/>
+        <a:ea typeface="+mn-ea"/>
+        <a:cs typeface="+mn-cs"/>
+      </a:defRPr>
+    </a:lvl2pPr>
+    <a:lvl3pPr marL="914400" algn="l" defTabSz="914400" rtl="0" eaLnBrk="1" latinLnBrk="0" hangingPunct="1">
+      <a:defRPr sz="1200" kern="1200">
+        <a:solidFill>
+          <a:schemeClr val="tx1"/>
+        </a:solidFill>
+        <a:latin typeface="+mn-lt"/>
+        <a:ea typeface="+mn-ea"/>
+        <a:cs typeface="+mn-cs"/>
+      </a:defRPr>
+    </a:lvl3pPr>
+    <a:lvl4pPr marL="1371600" algn="l" defTabSz="914400" rtl="0" eaLnBrk="1" latinLnBrk="0" hangingPunct="1">
+      <a:defRPr sz="1200" kern="1200">
+        <a:solidFill>
+          <a:schemeClr val="tx1"/>
+        </a:solidFill>
+        <a:latin typeface="+mn-lt"/>
+        <a:ea typeface="+mn-ea"/>
+        <a:cs typeface="+mn-cs"/>
+      </a:defRPr>
+    </a:lvl4pPr>
+    <a:lvl5pPr marL="1828800" algn="l" defTabSz="914400" rtl="0" eaLnBrk="1" latinLnBrk="0" hangingPunct="1">
+      <a:defRPr sz="1200" kern="1200">
+        <a:solidFill>
+          <a:schemeClr val="tx1"/>
+        </a:solidFill>
+        <a:latin typeface="+mn-lt"/>
+        <a:ea typeface="+mn-ea"/>
+        <a:cs typeface="+mn-cs"/>
+      </a:defRPr>
+    </a:lvl5pPr>
+    <a:lvl6pPr marL="2286000" algn="l" defTabSz="914400" rtl="0" eaLnBrk="1" latinLnBrk="0" hangingPunct="1">
+      <a:defRPr sz="1200" kern="1200">
+        <a:solidFill>
+          <a:schemeClr val="tx1"/>
+        </a:solidFill>
+        <a:latin typeface="+mn-lt"/>
+        <a:ea typeface="+mn-ea"/>
+        <a:cs typeface="+mn-cs"/>
+      </a:defRPr>
+    </a:lvl6pPr>
+    <a:lvl7pPr marL="2743200" algn="l" defTabSz="914400" rtl="0" eaLnBrk="1" latinLnBrk="0" hangingPunct="1">
+      <a:defRPr sz="1200" kern="1200">
+        <a:solidFill>
+          <a:schemeClr val="tx1"/>
+        </a:solidFill>
+        <a:latin typeface="+mn-lt"/>
+        <a:ea typeface="+mn-ea"/>
+        <a:cs typeface="+mn-cs"/>
+      </a:defRPr>
+    </a:lvl7pPr>
+    <a:lvl8pPr marL="3200400" algn="l" defTabSz="914400" rtl="0" eaLnBrk="1" latinLnBrk="0" hangingPunct="1">
+      <a:defRPr sz="1200" kern="1200">
+        <a:solidFill>
+          <a:schemeClr val="tx1"/>
+        </a:solidFill>
+        <a:latin typeface="+mn-lt"/>
+        <a:ea typeface="+mn-ea"/>
+        <a:cs typeface="+mn-cs"/>
+      </a:defRPr>
+    </a:lvl8pPr>
+    <a:lvl9pPr marL="3657600" algn="l" defTabSz="914400" rtl="0" eaLnBrk="1" latinLnBrk="0" hangingPunct="1">
+      <a:defRPr sz="1200" kern="1200">
+        <a:solidFill>
+          <a:schemeClr val="tx1"/>
+        </a:solidFill>
+        <a:latin typeface="+mn-lt"/>
+        <a:ea typeface="+mn-ea"/>
+        <a:cs typeface="+mn-cs"/>
+      </a:defRPr>
+    </a:lvl9pPr>
+  </p:notesStyle>
+</p:notesMaster>
+</file>
+
+<file path=ppt/notesSlides/notesSlide1.xml><?xml version="1.0" encoding="utf-8"?>
+<p:notes xmlns:a="http://schemas.openxmlformats.org/drawingml/2006/main" xmlns:r="http://schemas.openxmlformats.org/officeDocument/2006/relationships" xmlns:p="http://schemas.openxmlformats.org/presentationml/2006/main">
+  <p:cSld>
+    <p:spTree>
+      <p:nvGrpSpPr>
+        <p:cNvPr id="1" name=""/>
+        <p:cNvGrpSpPr/>
+        <p:nvPr/>
+      </p:nvGrpSpPr>
+      <p:grpSpPr>
+        <a:xfrm>
+          <a:off x="0" y="0"/>
+          <a:ext cx="0" cy="0"/>
+          <a:chOff x="0" y="0"/>
+          <a:chExt cx="0" cy="0"/>
+        </a:xfrm>
+      </p:grpSpPr>
+      <p:sp>
+        <p:nvSpPr>
+          <p:cNvPr id="2" name="幻灯片图像占位符 1"/>
+          <p:cNvSpPr>
+            <a:spLocks noGrp="1" noRot="1" noChangeAspect="1"/>
+          </p:cNvSpPr>
+          <p:nvPr>
+            <p:ph type="sldImg"/>
+          </p:nvPr>
+        </p:nvSpPr>
+        <p:spPr/>
+      </p:sp>
+      <p:sp>
+        <p:nvSpPr>
+          <p:cNvPr id="3" name="备注占位符 2"/>
+          <p:cNvSpPr>
+            <a:spLocks noGrp="1"/>
+          </p:cNvSpPr>
+          <p:nvPr>
+            <p:ph type="body" idx="1"/>
+          </p:nvPr>
+        </p:nvSpPr>
+        <p:spPr/>
+        <p:txBody>
+          <a:bodyPr/>
+          <a:lstStyle/>
+          <a:p>
+            <a:endParaRPr lang="zh-CN" altLang="en-US" dirty="0"/>
+          </a:p>
+        </p:txBody>
+      </p:sp>
+      <p:sp>
+        <p:nvSpPr>
+          <p:cNvPr id="4" name="灯片编号占位符 3"/>
+          <p:cNvSpPr>
+            <a:spLocks noGrp="1"/>
+          </p:cNvSpPr>
+          <p:nvPr>
+            <p:ph type="sldNum" sz="quarter" idx="10"/>
+          </p:nvPr>
+        </p:nvSpPr>
+        <p:spPr/>
+        <p:txBody>
+          <a:bodyPr/>
+          <a:lstStyle/>
+          <a:p>
+            <a:fld id="{4F2EF84B-1240-44D1-B15D-4B13AC5BCC2E}" type="slidenum">
+              <a:rPr lang="zh-CN" altLang="en-US" smtClean="0"/>
+              <a:t>7</a:t>
+            </a:fld>
+            <a:endParaRPr lang="zh-CN" altLang="en-US"/>
+          </a:p>
+        </p:txBody>
+      </p:sp>
+    </p:spTree>
+    <p:extLst>
+      <p:ext uri="{BB962C8B-B14F-4D97-AF65-F5344CB8AC3E}">
+        <p14:creationId xmlns:p14="http://schemas.microsoft.com/office/powerpoint/2010/main" val="3666865748"/>
+      </p:ext>
+    </p:extLst>
+  </p:cSld>
+  <p:clrMapOvr>
+    <a:masterClrMapping/>
+  </p:clrMapOvr>
+</p:notes>
 </file>
 
 <file path=ppt/slideLayouts/slideLayout1.xml><?xml version="1.0" encoding="utf-8"?>
@@ -5130,11 +5573,7 @@
           <a:p>
             <a:r>
               <a:rPr lang="en-US" altLang="zh-CN" sz="1400" dirty="0" err="1" smtClean="0"/>
-              <a:t>Rasterizer</a:t>
-            </a:r>
-            <a:r>
-              <a:rPr lang="en-US" altLang="zh-CN" sz="1400" dirty="0" err="1" smtClean="0"/>
-              <a:t>.usf</a:t>
+              <a:t>Rasterizer.usf</a:t>
             </a:r>
             <a:endParaRPr lang="zh-CN" altLang="en-US" sz="1400" dirty="0"/>
           </a:p>
@@ -5200,6 +5639,196 @@
           </a:p>
         </p:txBody>
       </p:sp>
+      <p:sp>
+        <p:nvSpPr>
+          <p:cNvPr id="3" name="矩形 2"/>
+          <p:cNvSpPr/>
+          <p:nvPr/>
+        </p:nvSpPr>
+        <p:spPr>
+          <a:xfrm>
+            <a:off x="3954920" y="6311959"/>
+            <a:ext cx="7564635" cy="369332"/>
+          </a:xfrm>
+          <a:prstGeom prst="rect">
+            <a:avLst/>
+          </a:prstGeom>
+        </p:spPr>
+        <p:txBody>
+          <a:bodyPr wrap="none">
+            <a:spAutoFit/>
+          </a:bodyPr>
+          <a:lstStyle/>
+          <a:p>
+            <a:r>
+              <a:rPr lang="en-US" altLang="zh-CN" dirty="0" smtClean="0"/>
+              <a:t>4</a:t>
+            </a:r>
+            <a:r>
+              <a:rPr lang="zh-CN" altLang="en-US" dirty="0" smtClean="0"/>
+              <a:t>年前自己用</a:t>
+            </a:r>
+            <a:r>
+              <a:rPr lang="en-US" altLang="zh-CN" dirty="0" smtClean="0"/>
+              <a:t>CPU</a:t>
+            </a:r>
+            <a:r>
+              <a:rPr lang="zh-CN" altLang="en-US" dirty="0" smtClean="0"/>
+              <a:t>实现的软光栅：https</a:t>
+            </a:r>
+            <a:r>
+              <a:rPr lang="zh-CN" altLang="en-US" dirty="0"/>
+              <a:t>://github.com/Tianji95/RangeScanLine</a:t>
+            </a:r>
+          </a:p>
+        </p:txBody>
+      </p:sp>
+      <p:pic>
+        <p:nvPicPr>
+          <p:cNvPr id="4" name="图片 3"/>
+          <p:cNvPicPr>
+            <a:picLocks noChangeAspect="1"/>
+          </p:cNvPicPr>
+          <p:nvPr/>
+        </p:nvPicPr>
+        <p:blipFill>
+          <a:blip r:embed="rId2"/>
+          <a:stretch>
+            <a:fillRect/>
+          </a:stretch>
+        </p:blipFill>
+        <p:spPr>
+          <a:xfrm>
+            <a:off x="912332" y="1525842"/>
+            <a:ext cx="6085176" cy="1496546"/>
+          </a:xfrm>
+          <a:prstGeom prst="rect">
+            <a:avLst/>
+          </a:prstGeom>
+        </p:spPr>
+      </p:pic>
+      <p:sp>
+        <p:nvSpPr>
+          <p:cNvPr id="5" name="文本框 4"/>
+          <p:cNvSpPr txBox="1"/>
+          <p:nvPr/>
+        </p:nvSpPr>
+        <p:spPr>
+          <a:xfrm>
+            <a:off x="1186053" y="3772699"/>
+            <a:ext cx="5537734" cy="738664"/>
+          </a:xfrm>
+          <a:prstGeom prst="rect">
+            <a:avLst/>
+          </a:prstGeom>
+          <a:noFill/>
+        </p:spPr>
+        <p:txBody>
+          <a:bodyPr wrap="none" rtlCol="0">
+            <a:spAutoFit/>
+          </a:bodyPr>
+          <a:lstStyle/>
+          <a:p>
+            <a:pPr marL="342900" indent="-342900">
+              <a:buAutoNum type="arabicPeriod"/>
+            </a:pPr>
+            <a:r>
+              <a:rPr lang="zh-CN" altLang="en-US" sz="1400" dirty="0" smtClean="0"/>
+              <a:t>从左到右扫描，记录所有交到的三角形的交点，记录一个</a:t>
+            </a:r>
+            <a:r>
+              <a:rPr lang="en-US" altLang="zh-CN" sz="1400" dirty="0" smtClean="0"/>
+              <a:t>list</a:t>
+            </a:r>
+          </a:p>
+          <a:p>
+            <a:pPr marL="342900" indent="-342900">
+              <a:buAutoNum type="arabicPeriod"/>
+            </a:pPr>
+            <a:r>
+              <a:rPr lang="zh-CN" altLang="en-US" sz="1400" dirty="0" smtClean="0"/>
+              <a:t>对所有交点做排序，记录交点的</a:t>
+            </a:r>
+            <a:r>
+              <a:rPr lang="en-US" altLang="zh-CN" sz="1400" dirty="0" err="1" smtClean="0"/>
+              <a:t>ddx</a:t>
+            </a:r>
+            <a:r>
+              <a:rPr lang="zh-CN" altLang="en-US" sz="1400" dirty="0" smtClean="0"/>
+              <a:t>和</a:t>
+            </a:r>
+            <a:r>
+              <a:rPr lang="en-US" altLang="zh-CN" sz="1400" dirty="0" err="1" smtClean="0"/>
+              <a:t>ddy</a:t>
+            </a:r>
+            <a:endParaRPr lang="en-US" altLang="zh-CN" sz="1400" dirty="0" smtClean="0"/>
+          </a:p>
+          <a:p>
+            <a:pPr marL="342900" indent="-342900">
+              <a:buAutoNum type="arabicPeriod"/>
+            </a:pPr>
+            <a:r>
+              <a:rPr lang="zh-CN" altLang="en-US" sz="1400" dirty="0"/>
+              <a:t>从左到</a:t>
+            </a:r>
+            <a:r>
+              <a:rPr lang="zh-CN" altLang="en-US" sz="1400" dirty="0" smtClean="0"/>
+              <a:t>右渲染，当前渲染点的属性等于前一个交点</a:t>
+            </a:r>
+            <a:r>
+              <a:rPr lang="en-US" altLang="zh-CN" sz="1400" dirty="0" smtClean="0"/>
+              <a:t>+</a:t>
+            </a:r>
+            <a:r>
+              <a:rPr lang="en-US" altLang="zh-CN" sz="1400" dirty="0" err="1" smtClean="0"/>
+              <a:t>ddx</a:t>
+            </a:r>
+            <a:r>
+              <a:rPr lang="en-US" altLang="zh-CN" sz="1400" dirty="0" smtClean="0"/>
+              <a:t>*distance</a:t>
+            </a:r>
+            <a:endParaRPr lang="zh-CN" altLang="en-US" sz="1400" dirty="0"/>
+          </a:p>
+        </p:txBody>
+      </p:sp>
+      <p:sp>
+        <p:nvSpPr>
+          <p:cNvPr id="6" name="文本框 5"/>
+          <p:cNvSpPr txBox="1"/>
+          <p:nvPr/>
+        </p:nvSpPr>
+        <p:spPr>
+          <a:xfrm>
+            <a:off x="8139012" y="2089449"/>
+            <a:ext cx="1911101" cy="369332"/>
+          </a:xfrm>
+          <a:prstGeom prst="rect">
+            <a:avLst/>
+          </a:prstGeom>
+          <a:noFill/>
+        </p:spPr>
+        <p:txBody>
+          <a:bodyPr wrap="none" rtlCol="0">
+            <a:spAutoFit/>
+          </a:bodyPr>
+          <a:lstStyle/>
+          <a:p>
+            <a:r>
+              <a:rPr lang="zh-CN" altLang="en-US" dirty="0"/>
+              <a:t>区间</a:t>
+            </a:r>
+            <a:r>
+              <a:rPr lang="zh-CN" altLang="en-US" dirty="0" smtClean="0"/>
+              <a:t>扫描线算法</a:t>
+            </a:r>
+            <a:r>
+              <a:rPr lang="en-US" altLang="zh-CN" dirty="0" smtClean="0"/>
+              <a:t> </a:t>
+            </a:r>
+            <a:endParaRPr lang="zh-CN" altLang="en-US" dirty="0"/>
+          </a:p>
+        </p:txBody>
+      </p:sp>
     </p:spTree>
     <p:extLst>
       <p:ext uri="{BB962C8B-B14F-4D97-AF65-F5344CB8AC3E}">
@@ -5300,7 +5929,7 @@
         </p:blipFill>
         <p:spPr>
           <a:xfrm>
-            <a:off x="421876" y="1464319"/>
+            <a:off x="447453" y="1394010"/>
             <a:ext cx="4258862" cy="3428167"/>
           </a:xfrm>
           <a:prstGeom prst="rect">
@@ -5308,6 +5937,119 @@
           </a:prstGeom>
         </p:spPr>
       </p:pic>
+      <p:sp>
+        <p:nvSpPr>
+          <p:cNvPr id="5" name="矩形 4"/>
+          <p:cNvSpPr/>
+          <p:nvPr/>
+        </p:nvSpPr>
+        <p:spPr>
+          <a:xfrm>
+            <a:off x="954667" y="4913273"/>
+            <a:ext cx="2608406" cy="369332"/>
+          </a:xfrm>
+          <a:prstGeom prst="rect">
+            <a:avLst/>
+          </a:prstGeom>
+        </p:spPr>
+        <p:txBody>
+          <a:bodyPr wrap="none">
+            <a:spAutoFit/>
+          </a:bodyPr>
+          <a:lstStyle/>
+          <a:p>
+            <a:r>
+              <a:rPr lang="en-US" altLang="zh-CN" dirty="0" smtClean="0">
+                <a:solidFill>
+                  <a:srgbClr val="121212"/>
+                </a:solidFill>
+                <a:latin typeface="-apple-system"/>
+              </a:rPr>
+              <a:t>GPU</a:t>
+            </a:r>
+            <a:r>
+              <a:rPr lang="zh-CN" altLang="en-US" dirty="0" smtClean="0">
+                <a:solidFill>
+                  <a:srgbClr val="121212"/>
+                </a:solidFill>
+                <a:latin typeface="-apple-system"/>
+              </a:rPr>
+              <a:t>纹理压缩：</a:t>
+            </a:r>
+            <a:r>
+              <a:rPr lang="en-US" altLang="zh-CN" dirty="0" smtClean="0">
+                <a:solidFill>
+                  <a:srgbClr val="121212"/>
+                </a:solidFill>
+                <a:latin typeface="-apple-system"/>
+              </a:rPr>
+              <a:t>ETC1</a:t>
+            </a:r>
+            <a:r>
+              <a:rPr lang="zh-CN" altLang="en-US" dirty="0" smtClean="0">
+                <a:solidFill>
+                  <a:srgbClr val="121212"/>
+                </a:solidFill>
+                <a:latin typeface="-apple-system"/>
+              </a:rPr>
+              <a:t>方式</a:t>
+            </a:r>
+            <a:endParaRPr lang="zh-CN" altLang="en-US" dirty="0"/>
+          </a:p>
+        </p:txBody>
+      </p:sp>
+      <p:sp>
+        <p:nvSpPr>
+          <p:cNvPr id="6" name="矩形 5"/>
+          <p:cNvSpPr/>
+          <p:nvPr/>
+        </p:nvSpPr>
+        <p:spPr>
+          <a:xfrm>
+            <a:off x="5331778" y="3007741"/>
+            <a:ext cx="2031325" cy="369332"/>
+          </a:xfrm>
+          <a:prstGeom prst="rect">
+            <a:avLst/>
+          </a:prstGeom>
+        </p:spPr>
+        <p:txBody>
+          <a:bodyPr wrap="none">
+            <a:spAutoFit/>
+          </a:bodyPr>
+          <a:lstStyle/>
+          <a:p>
+            <a:r>
+              <a:rPr lang="en-US" altLang="zh-CN" dirty="0" smtClean="0">
+                <a:solidFill>
+                  <a:srgbClr val="121212"/>
+                </a:solidFill>
+                <a:latin typeface="-apple-system"/>
+              </a:rPr>
+              <a:t>GPU</a:t>
+            </a:r>
+            <a:r>
+              <a:rPr lang="zh-CN" altLang="en-US" dirty="0" smtClean="0">
+                <a:solidFill>
+                  <a:srgbClr val="121212"/>
+                </a:solidFill>
+                <a:latin typeface="-apple-system"/>
+              </a:rPr>
+              <a:t>纹理压缩：</a:t>
+            </a:r>
+            <a:r>
+              <a:rPr lang="en-US" altLang="zh-CN" dirty="0" smtClean="0">
+                <a:solidFill>
+                  <a:srgbClr val="121212"/>
+                </a:solidFill>
+                <a:latin typeface="-apple-system"/>
+              </a:rPr>
+              <a:t>BC1</a:t>
+            </a:r>
+            <a:endParaRPr lang="zh-CN" altLang="en-US" dirty="0"/>
+          </a:p>
+        </p:txBody>
+      </p:sp>
     </p:spTree>
     <p:extLst>
       <p:ext uri="{BB962C8B-B14F-4D97-AF65-F5344CB8AC3E}">
@@ -7366,11 +8108,7 @@
           <a:p>
             <a:r>
               <a:rPr lang="en-US" altLang="zh-CN" sz="1400" dirty="0" err="1" smtClean="0"/>
-              <a:t>Rasterizer</a:t>
-            </a:r>
-            <a:r>
-              <a:rPr lang="en-US" altLang="zh-CN" sz="1400" dirty="0" err="1" smtClean="0"/>
-              <a:t>.usf</a:t>
+              <a:t>Rasterizer.usf</a:t>
             </a:r>
             <a:endParaRPr lang="zh-CN" altLang="en-US" sz="1400" dirty="0"/>
           </a:p>
@@ -7680,11 +8418,7 @@
             </a:r>
             <a:r>
               <a:rPr lang="zh-CN" altLang="en-US" sz="1400" dirty="0" smtClean="0"/>
-              <a:t>的材质属性范围，</a:t>
-            </a:r>
-            <a:r>
-              <a:rPr lang="zh-CN" altLang="en-US" sz="1400" dirty="0" smtClean="0"/>
-              <a:t>顶点属性量化压缩</a:t>
+              <a:t>的材质属性范围，顶点属性量化压缩</a:t>
             </a:r>
             <a:r>
               <a:rPr lang="en-US" altLang="zh-CN" sz="1400" dirty="0" smtClean="0"/>
@@ -8143,6 +8877,314 @@
 </p:sld>
 </file>
 
+<file path=ppt/slides/slide15.xml><?xml version="1.0" encoding="utf-8"?>
+<p:sld xmlns:a="http://schemas.openxmlformats.org/drawingml/2006/main" xmlns:r="http://schemas.openxmlformats.org/officeDocument/2006/relationships" xmlns:p="http://schemas.openxmlformats.org/presentationml/2006/main">
+  <p:cSld>
+    <p:spTree>
+      <p:nvGrpSpPr>
+        <p:cNvPr id="1" name=""/>
+        <p:cNvGrpSpPr/>
+        <p:nvPr/>
+      </p:nvGrpSpPr>
+      <p:grpSpPr>
+        <a:xfrm>
+          <a:off x="0" y="0"/>
+          <a:ext cx="0" cy="0"/>
+          <a:chOff x="0" y="0"/>
+          <a:chExt cx="0" cy="0"/>
+        </a:xfrm>
+      </p:grpSpPr>
+      <p:sp>
+        <p:nvSpPr>
+          <p:cNvPr id="2" name="文本框 1"/>
+          <p:cNvSpPr txBox="1"/>
+          <p:nvPr/>
+        </p:nvSpPr>
+        <p:spPr>
+          <a:xfrm>
+            <a:off x="773723" y="620257"/>
+            <a:ext cx="1854931" cy="369332"/>
+          </a:xfrm>
+          <a:prstGeom prst="rect">
+            <a:avLst/>
+          </a:prstGeom>
+          <a:noFill/>
+        </p:spPr>
+        <p:txBody>
+          <a:bodyPr wrap="none" rtlCol="0">
+            <a:spAutoFit/>
+          </a:bodyPr>
+          <a:lstStyle/>
+          <a:p>
+            <a:r>
+              <a:rPr lang="en-US" altLang="zh-CN" dirty="0"/>
+              <a:t>NaniteBuilder.cpp</a:t>
+            </a:r>
+            <a:endParaRPr lang="zh-CN" altLang="en-US" dirty="0"/>
+          </a:p>
+        </p:txBody>
+      </p:sp>
+    </p:spTree>
+    <p:extLst>
+      <p:ext uri="{BB962C8B-B14F-4D97-AF65-F5344CB8AC3E}">
+        <p14:creationId xmlns:p14="http://schemas.microsoft.com/office/powerpoint/2010/main" val="2187036506"/>
+      </p:ext>
+    </p:extLst>
+  </p:cSld>
+  <p:clrMapOvr>
+    <a:masterClrMapping/>
+  </p:clrMapOvr>
+</p:sld>
+</file>
+
+<file path=ppt/slides/slide16.xml><?xml version="1.0" encoding="utf-8"?>
+<p:sld xmlns:a="http://schemas.openxmlformats.org/drawingml/2006/main" xmlns:r="http://schemas.openxmlformats.org/officeDocument/2006/relationships" xmlns:p="http://schemas.openxmlformats.org/presentationml/2006/main">
+  <p:cSld>
+    <p:spTree>
+      <p:nvGrpSpPr>
+        <p:cNvPr id="1" name=""/>
+        <p:cNvGrpSpPr/>
+        <p:nvPr/>
+      </p:nvGrpSpPr>
+      <p:grpSpPr>
+        <a:xfrm>
+          <a:off x="0" y="0"/>
+          <a:ext cx="0" cy="0"/>
+          <a:chOff x="0" y="0"/>
+          <a:chExt cx="0" cy="0"/>
+        </a:xfrm>
+      </p:grpSpPr>
+      <p:sp>
+        <p:nvSpPr>
+          <p:cNvPr id="2" name="文本框 1"/>
+          <p:cNvSpPr txBox="1"/>
+          <p:nvPr/>
+        </p:nvSpPr>
+        <p:spPr>
+          <a:xfrm>
+            <a:off x="773723" y="620257"/>
+            <a:ext cx="1860509" cy="369332"/>
+          </a:xfrm>
+          <a:prstGeom prst="rect">
+            <a:avLst/>
+          </a:prstGeom>
+          <a:noFill/>
+        </p:spPr>
+        <p:txBody>
+          <a:bodyPr wrap="none" rtlCol="0">
+            <a:spAutoFit/>
+          </a:bodyPr>
+          <a:lstStyle/>
+          <a:p>
+            <a:r>
+              <a:rPr lang="en-US" altLang="zh-CN" dirty="0"/>
+              <a:t>NaniteRender</a:t>
+            </a:r>
+            <a:r>
+              <a:rPr lang="en-US" altLang="zh-CN" dirty="0" smtClean="0"/>
+              <a:t>.cpp</a:t>
+            </a:r>
+            <a:endParaRPr lang="zh-CN" altLang="en-US" dirty="0"/>
+          </a:p>
+        </p:txBody>
+      </p:sp>
+    </p:spTree>
+    <p:extLst>
+      <p:ext uri="{BB962C8B-B14F-4D97-AF65-F5344CB8AC3E}">
+        <p14:creationId xmlns:p14="http://schemas.microsoft.com/office/powerpoint/2010/main" val="612608226"/>
+      </p:ext>
+    </p:extLst>
+  </p:cSld>
+  <p:clrMapOvr>
+    <a:masterClrMapping/>
+  </p:clrMapOvr>
+</p:sld>
+</file>
+
+<file path=ppt/slides/slide17.xml><?xml version="1.0" encoding="utf-8"?>
+<p:sld xmlns:a="http://schemas.openxmlformats.org/drawingml/2006/main" xmlns:r="http://schemas.openxmlformats.org/officeDocument/2006/relationships" xmlns:p="http://schemas.openxmlformats.org/presentationml/2006/main">
+  <p:cSld>
+    <p:spTree>
+      <p:nvGrpSpPr>
+        <p:cNvPr id="1" name=""/>
+        <p:cNvGrpSpPr/>
+        <p:nvPr/>
+      </p:nvGrpSpPr>
+      <p:grpSpPr>
+        <a:xfrm>
+          <a:off x="0" y="0"/>
+          <a:ext cx="0" cy="0"/>
+          <a:chOff x="0" y="0"/>
+          <a:chExt cx="0" cy="0"/>
+        </a:xfrm>
+      </p:grpSpPr>
+      <p:sp>
+        <p:nvSpPr>
+          <p:cNvPr id="2" name="文本框 1"/>
+          <p:cNvSpPr txBox="1"/>
+          <p:nvPr/>
+        </p:nvSpPr>
+        <p:spPr>
+          <a:xfrm>
+            <a:off x="773723" y="620257"/>
+            <a:ext cx="1938864" cy="369332"/>
+          </a:xfrm>
+          <a:prstGeom prst="rect">
+            <a:avLst/>
+          </a:prstGeom>
+          <a:noFill/>
+        </p:spPr>
+        <p:txBody>
+          <a:bodyPr wrap="none" rtlCol="0">
+            <a:spAutoFit/>
+          </a:bodyPr>
+          <a:lstStyle/>
+          <a:p>
+            <a:r>
+              <a:rPr lang="en-US" altLang="zh-CN" dirty="0" err="1"/>
+              <a:t>I</a:t>
+            </a:r>
+            <a:r>
+              <a:rPr lang="en-US" altLang="zh-CN" dirty="0" err="1" smtClean="0"/>
+              <a:t>nstanceCulling.usf</a:t>
+            </a:r>
+            <a:endParaRPr lang="zh-CN" altLang="en-US" dirty="0"/>
+          </a:p>
+        </p:txBody>
+      </p:sp>
+    </p:spTree>
+    <p:extLst>
+      <p:ext uri="{BB962C8B-B14F-4D97-AF65-F5344CB8AC3E}">
+        <p14:creationId xmlns:p14="http://schemas.microsoft.com/office/powerpoint/2010/main" val="3351655024"/>
+      </p:ext>
+    </p:extLst>
+  </p:cSld>
+  <p:clrMapOvr>
+    <a:masterClrMapping/>
+  </p:clrMapOvr>
+</p:sld>
+</file>
+
+<file path=ppt/slides/slide18.xml><?xml version="1.0" encoding="utf-8"?>
+<p:sld xmlns:a="http://schemas.openxmlformats.org/drawingml/2006/main" xmlns:r="http://schemas.openxmlformats.org/officeDocument/2006/relationships" xmlns:p="http://schemas.openxmlformats.org/presentationml/2006/main">
+  <p:cSld>
+    <p:spTree>
+      <p:nvGrpSpPr>
+        <p:cNvPr id="1" name=""/>
+        <p:cNvGrpSpPr/>
+        <p:nvPr/>
+      </p:nvGrpSpPr>
+      <p:grpSpPr>
+        <a:xfrm>
+          <a:off x="0" y="0"/>
+          <a:ext cx="0" cy="0"/>
+          <a:chOff x="0" y="0"/>
+          <a:chExt cx="0" cy="0"/>
+        </a:xfrm>
+      </p:grpSpPr>
+      <p:sp>
+        <p:nvSpPr>
+          <p:cNvPr id="2" name="文本框 1"/>
+          <p:cNvSpPr txBox="1"/>
+          <p:nvPr/>
+        </p:nvSpPr>
+        <p:spPr>
+          <a:xfrm>
+            <a:off x="773723" y="620257"/>
+            <a:ext cx="1812547" cy="369332"/>
+          </a:xfrm>
+          <a:prstGeom prst="rect">
+            <a:avLst/>
+          </a:prstGeom>
+          <a:noFill/>
+        </p:spPr>
+        <p:txBody>
+          <a:bodyPr wrap="none" rtlCol="0">
+            <a:spAutoFit/>
+          </a:bodyPr>
+          <a:lstStyle/>
+          <a:p>
+            <a:r>
+              <a:rPr lang="en-US" altLang="zh-CN" dirty="0" err="1" smtClean="0"/>
+              <a:t>ClusterCulling.usf</a:t>
+            </a:r>
+            <a:endParaRPr lang="zh-CN" altLang="en-US" dirty="0"/>
+          </a:p>
+        </p:txBody>
+      </p:sp>
+    </p:spTree>
+    <p:extLst>
+      <p:ext uri="{BB962C8B-B14F-4D97-AF65-F5344CB8AC3E}">
+        <p14:creationId xmlns:p14="http://schemas.microsoft.com/office/powerpoint/2010/main" val="1853690605"/>
+      </p:ext>
+    </p:extLst>
+  </p:cSld>
+  <p:clrMapOvr>
+    <a:masterClrMapping/>
+  </p:clrMapOvr>
+</p:sld>
+</file>
+
+<file path=ppt/slides/slide19.xml><?xml version="1.0" encoding="utf-8"?>
+<p:sld xmlns:a="http://schemas.openxmlformats.org/drawingml/2006/main" xmlns:r="http://schemas.openxmlformats.org/officeDocument/2006/relationships" xmlns:p="http://schemas.openxmlformats.org/presentationml/2006/main">
+  <p:cSld>
+    <p:spTree>
+      <p:nvGrpSpPr>
+        <p:cNvPr id="1" name=""/>
+        <p:cNvGrpSpPr/>
+        <p:nvPr/>
+      </p:nvGrpSpPr>
+      <p:grpSpPr>
+        <a:xfrm>
+          <a:off x="0" y="0"/>
+          <a:ext cx="0" cy="0"/>
+          <a:chOff x="0" y="0"/>
+          <a:chExt cx="0" cy="0"/>
+        </a:xfrm>
+      </p:grpSpPr>
+      <p:sp>
+        <p:nvSpPr>
+          <p:cNvPr id="2" name="文本框 1"/>
+          <p:cNvSpPr txBox="1"/>
+          <p:nvPr/>
+        </p:nvSpPr>
+        <p:spPr>
+          <a:xfrm>
+            <a:off x="773723" y="620257"/>
+            <a:ext cx="1426673" cy="369332"/>
+          </a:xfrm>
+          <a:prstGeom prst="rect">
+            <a:avLst/>
+          </a:prstGeom>
+          <a:noFill/>
+        </p:spPr>
+        <p:txBody>
+          <a:bodyPr wrap="none" rtlCol="0">
+            <a:spAutoFit/>
+          </a:bodyPr>
+          <a:lstStyle/>
+          <a:p>
+            <a:r>
+              <a:rPr lang="en-US" altLang="zh-CN" dirty="0" err="1" smtClean="0"/>
+              <a:t>Rasterizer.usf</a:t>
+            </a:r>
+            <a:endParaRPr lang="zh-CN" altLang="en-US" dirty="0"/>
+          </a:p>
+        </p:txBody>
+      </p:sp>
+    </p:spTree>
+    <p:extLst>
+      <p:ext uri="{BB962C8B-B14F-4D97-AF65-F5344CB8AC3E}">
+        <p14:creationId xmlns:p14="http://schemas.microsoft.com/office/powerpoint/2010/main" val="2031330097"/>
+      </p:ext>
+    </p:extLst>
+  </p:cSld>
+  <p:clrMapOvr>
+    <a:masterClrMapping/>
+  </p:clrMapOvr>
+</p:sld>
+</file>
+
 <file path=ppt/slides/slide2.xml><?xml version="1.0" encoding="utf-8"?>
 <p:sld xmlns:a="http://schemas.openxmlformats.org/drawingml/2006/main" xmlns:r="http://schemas.openxmlformats.org/officeDocument/2006/relationships" xmlns:p="http://schemas.openxmlformats.org/presentationml/2006/main">
   <p:cSld>
@@ -8434,11 +9476,7 @@
             </a:r>
             <a:r>
               <a:rPr lang="zh-CN" altLang="en-US" sz="1400" dirty="0" smtClean="0"/>
-              <a:t>的材质属性范围，</a:t>
-            </a:r>
-            <a:r>
-              <a:rPr lang="zh-CN" altLang="en-US" sz="1400" dirty="0" smtClean="0"/>
-              <a:t>顶点属性量化压缩</a:t>
+              <a:t>的材质属性范围，顶点属性量化压缩</a:t>
             </a:r>
             <a:r>
               <a:rPr lang="en-US" altLang="zh-CN" sz="1400" dirty="0" smtClean="0"/>
@@ -8828,6 +9866,66 @@
     <p:extLst>
       <p:ext uri="{BB962C8B-B14F-4D97-AF65-F5344CB8AC3E}">
         <p14:creationId xmlns:p14="http://schemas.microsoft.com/office/powerpoint/2010/main" val="1665376121"/>
+      </p:ext>
+    </p:extLst>
+  </p:cSld>
+  <p:clrMapOvr>
+    <a:masterClrMapping/>
+  </p:clrMapOvr>
+</p:sld>
+</file>
+
+<file path=ppt/slides/slide20.xml><?xml version="1.0" encoding="utf-8"?>
+<p:sld xmlns:a="http://schemas.openxmlformats.org/drawingml/2006/main" xmlns:r="http://schemas.openxmlformats.org/officeDocument/2006/relationships" xmlns:p="http://schemas.openxmlformats.org/presentationml/2006/main">
+  <p:cSld>
+    <p:spTree>
+      <p:nvGrpSpPr>
+        <p:cNvPr id="1" name=""/>
+        <p:cNvGrpSpPr/>
+        <p:nvPr/>
+      </p:nvGrpSpPr>
+      <p:grpSpPr>
+        <a:xfrm>
+          <a:off x="0" y="0"/>
+          <a:ext cx="0" cy="0"/>
+          <a:chOff x="0" y="0"/>
+          <a:chExt cx="0" cy="0"/>
+        </a:xfrm>
+      </p:grpSpPr>
+      <p:sp>
+        <p:nvSpPr>
+          <p:cNvPr id="2" name="文本框 1"/>
+          <p:cNvSpPr txBox="1"/>
+          <p:nvPr/>
+        </p:nvSpPr>
+        <p:spPr>
+          <a:xfrm>
+            <a:off x="773723" y="620257"/>
+            <a:ext cx="1426673" cy="369332"/>
+          </a:xfrm>
+          <a:prstGeom prst="rect">
+            <a:avLst/>
+          </a:prstGeom>
+          <a:noFill/>
+        </p:spPr>
+        <p:txBody>
+          <a:bodyPr wrap="none" rtlCol="0">
+            <a:spAutoFit/>
+          </a:bodyPr>
+          <a:lstStyle/>
+          <a:p>
+            <a:r>
+              <a:rPr lang="en-US" altLang="zh-CN" dirty="0" err="1" smtClean="0"/>
+              <a:t>Rasterizer.usf</a:t>
+            </a:r>
+            <a:endParaRPr lang="zh-CN" altLang="en-US" dirty="0"/>
+          </a:p>
+        </p:txBody>
+      </p:sp>
+    </p:spTree>
+    <p:extLst>
+      <p:ext uri="{BB962C8B-B14F-4D97-AF65-F5344CB8AC3E}">
+        <p14:creationId xmlns:p14="http://schemas.microsoft.com/office/powerpoint/2010/main" val="2284559429"/>
       </p:ext>
     </p:extLst>
   </p:cSld>
@@ -11127,11 +12225,7 @@
           <a:p>
             <a:r>
               <a:rPr lang="en-US" altLang="zh-CN" dirty="0" smtClean="0"/>
-              <a:t>Deferred </a:t>
-            </a:r>
-            <a:r>
-              <a:rPr lang="en-US" altLang="zh-CN" dirty="0" smtClean="0"/>
-              <a:t>texture/Deferred Material</a:t>
+              <a:t>Deferred texture/Deferred Material</a:t>
             </a:r>
             <a:endParaRPr lang="zh-CN" altLang="en-US" dirty="0"/>
           </a:p>
@@ -12159,6 +13253,193 @@
           </a:fontRef>
         </p:style>
       </p:cxnSp>
+      <p:pic>
+        <p:nvPicPr>
+          <p:cNvPr id="23" name="图片 22"/>
+          <p:cNvPicPr>
+            <a:picLocks noChangeAspect="1"/>
+          </p:cNvPicPr>
+          <p:nvPr/>
+        </p:nvPicPr>
+        <p:blipFill>
+          <a:blip r:embed="rId2"/>
+          <a:stretch>
+            <a:fillRect/>
+          </a:stretch>
+        </p:blipFill>
+        <p:spPr>
+          <a:xfrm>
+            <a:off x="561400" y="3710287"/>
+            <a:ext cx="5144588" cy="1474634"/>
+          </a:xfrm>
+          <a:prstGeom prst="rect">
+            <a:avLst/>
+          </a:prstGeom>
+        </p:spPr>
+      </p:pic>
+      <p:pic>
+        <p:nvPicPr>
+          <p:cNvPr id="28" name="图片 27"/>
+          <p:cNvPicPr>
+            <a:picLocks noChangeAspect="1"/>
+          </p:cNvPicPr>
+          <p:nvPr/>
+        </p:nvPicPr>
+        <p:blipFill>
+          <a:blip r:embed="rId3"/>
+          <a:stretch>
+            <a:fillRect/>
+          </a:stretch>
+        </p:blipFill>
+        <p:spPr>
+          <a:xfrm>
+            <a:off x="561400" y="5286852"/>
+            <a:ext cx="7591758" cy="1456948"/>
+          </a:xfrm>
+          <a:prstGeom prst="rect">
+            <a:avLst/>
+          </a:prstGeom>
+        </p:spPr>
+      </p:pic>
+      <p:sp>
+        <p:nvSpPr>
+          <p:cNvPr id="29" name="文本框 28"/>
+          <p:cNvSpPr txBox="1"/>
+          <p:nvPr/>
+        </p:nvSpPr>
+        <p:spPr>
+          <a:xfrm>
+            <a:off x="8375734" y="4447604"/>
+            <a:ext cx="3808081" cy="2031325"/>
+          </a:xfrm>
+          <a:prstGeom prst="rect">
+            <a:avLst/>
+          </a:prstGeom>
+          <a:noFill/>
+        </p:spPr>
+        <p:txBody>
+          <a:bodyPr wrap="square" rtlCol="0">
+            <a:spAutoFit/>
+          </a:bodyPr>
+          <a:lstStyle/>
+          <a:p>
+            <a:r>
+              <a:rPr lang="zh-CN" altLang="en-US" sz="1400" dirty="0" smtClean="0"/>
+              <a:t>存储的是</a:t>
+            </a:r>
+            <a:r>
+              <a:rPr lang="en-US" altLang="zh-CN" sz="1400" dirty="0" err="1" smtClean="0"/>
+              <a:t>InstanceId</a:t>
+            </a:r>
+            <a:r>
+              <a:rPr lang="en-US" altLang="zh-CN" sz="1400" dirty="0" smtClean="0"/>
+              <a:t>(16-24bits)</a:t>
+            </a:r>
+            <a:r>
+              <a:rPr lang="zh-CN" altLang="en-US" sz="1400" dirty="0" smtClean="0"/>
+              <a:t>、</a:t>
+            </a:r>
+            <a:endParaRPr lang="en-US" altLang="zh-CN" sz="1400" dirty="0" smtClean="0"/>
+          </a:p>
+          <a:p>
+            <a:r>
+              <a:rPr lang="en-US" altLang="zh-CN" sz="1400" dirty="0" err="1" smtClean="0"/>
+              <a:t>PrimitiveID</a:t>
+            </a:r>
+            <a:r>
+              <a:rPr lang="en-US" altLang="zh-CN" sz="1400" dirty="0" smtClean="0"/>
+              <a:t>(8-16bits)</a:t>
+            </a:r>
+            <a:r>
+              <a:rPr lang="zh-CN" altLang="en-US" sz="1400" dirty="0" smtClean="0"/>
+              <a:t>、</a:t>
+            </a:r>
+            <a:endParaRPr lang="en-US" altLang="zh-CN" sz="1400" dirty="0" smtClean="0"/>
+          </a:p>
+          <a:p>
+            <a:r>
+              <a:rPr lang="en-US" altLang="zh-CN" sz="1400" dirty="0" err="1" smtClean="0"/>
+              <a:t>Barycentric</a:t>
+            </a:r>
+            <a:r>
+              <a:rPr lang="en-US" altLang="zh-CN" sz="1400" dirty="0" smtClean="0"/>
+              <a:t> </a:t>
+            </a:r>
+            <a:r>
+              <a:rPr lang="en-US" altLang="zh-CN" sz="1400" dirty="0" err="1" smtClean="0"/>
+              <a:t>coord</a:t>
+            </a:r>
+            <a:r>
+              <a:rPr lang="en-US" altLang="zh-CN" sz="1400" dirty="0" smtClean="0"/>
+              <a:t>(16bits)</a:t>
+            </a:r>
+            <a:r>
+              <a:rPr lang="zh-CN" altLang="en-US" sz="1400" dirty="0" smtClean="0"/>
+              <a:t>、</a:t>
+            </a:r>
+            <a:endParaRPr lang="en-US" altLang="zh-CN" sz="1400" dirty="0" smtClean="0"/>
+          </a:p>
+          <a:p>
+            <a:r>
+              <a:rPr lang="en-US" altLang="zh-CN" sz="1400" dirty="0" smtClean="0"/>
+              <a:t>depth buffer(16-24bits)</a:t>
+            </a:r>
+            <a:endParaRPr lang="en-US" altLang="zh-CN" sz="1400" dirty="0"/>
+          </a:p>
+          <a:p>
+            <a:r>
+              <a:rPr lang="en-US" altLang="zh-CN" sz="1400" dirty="0" err="1" smtClean="0"/>
+              <a:t>materialId</a:t>
+            </a:r>
+            <a:r>
+              <a:rPr lang="en-US" altLang="zh-CN" sz="1400" dirty="0" smtClean="0"/>
+              <a:t>(8-16bits)</a:t>
+            </a:r>
+          </a:p>
+          <a:p>
+            <a:r>
+              <a:rPr lang="zh-CN" altLang="en-US" sz="1400" dirty="0" smtClean="0"/>
+              <a:t>一共</a:t>
+            </a:r>
+            <a:r>
+              <a:rPr lang="en-US" altLang="zh-CN" sz="1400" dirty="0" smtClean="0"/>
+              <a:t>8-12Bytes/Pixel</a:t>
+            </a:r>
+            <a:r>
+              <a:rPr lang="zh-CN" altLang="en-US" sz="1400" dirty="0" smtClean="0"/>
+              <a:t>，大大减少所需要的带宽。</a:t>
+            </a:r>
+            <a:endParaRPr lang="en-US" altLang="zh-CN" sz="1400" dirty="0" smtClean="0"/>
+          </a:p>
+          <a:p>
+            <a:r>
+              <a:rPr lang="zh-CN" altLang="en-US" sz="1400" dirty="0" smtClean="0"/>
+              <a:t>但是代价是需要</a:t>
+            </a:r>
+            <a:r>
+              <a:rPr lang="en-US" altLang="zh-CN" sz="1400" dirty="0" smtClean="0"/>
+              <a:t>pass</a:t>
+            </a:r>
+            <a:r>
+              <a:rPr lang="zh-CN" altLang="en-US" sz="1400" dirty="0" smtClean="0"/>
+              <a:t>两遍，而且需要维护全局的几何、材质数据，需要借助</a:t>
+            </a:r>
+            <a:r>
+              <a:rPr lang="en-US" altLang="zh-CN" sz="1400" dirty="0" err="1" smtClean="0"/>
+              <a:t>bindless</a:t>
+            </a:r>
+            <a:r>
+              <a:rPr lang="en-US" altLang="zh-CN" sz="1400" dirty="0" smtClean="0"/>
+              <a:t> texture</a:t>
+            </a:r>
+            <a:r>
+              <a:rPr lang="zh-CN" altLang="en-US" sz="1400" dirty="0" smtClean="0"/>
+              <a:t>技术才能稍微有些优化。</a:t>
+            </a:r>
+            <a:endParaRPr lang="zh-CN" altLang="en-US" sz="1400" dirty="0"/>
+          </a:p>
+        </p:txBody>
+      </p:sp>
     </p:spTree>
     <p:extLst>
       <p:ext uri="{BB962C8B-B14F-4D97-AF65-F5344CB8AC3E}">
@@ -13714,7 +14995,7 @@
           <p:nvPr/>
         </p:nvPicPr>
         <p:blipFill>
-          <a:blip r:embed="rId2"/>
+          <a:blip r:embed="rId3"/>
           <a:stretch>
             <a:fillRect/>
           </a:stretch>
@@ -14090,7 +15371,7 @@
         <p:spPr>
           <a:xfrm>
             <a:off x="651280" y="4113447"/>
-            <a:ext cx="10257576" cy="738664"/>
+            <a:ext cx="10257576" cy="307777"/>
           </a:xfrm>
           <a:prstGeom prst="rect">
             <a:avLst/>
@@ -14113,83 +15394,47 @@
             </a:r>
             <a:r>
               <a:rPr lang="zh-CN" altLang="en-US" sz="1400" dirty="0" smtClean="0"/>
-              <a:t>其实</a:t>
+              <a:t>：不</a:t>
             </a:r>
             <a:r>
               <a:rPr lang="zh-CN" altLang="en-US" sz="1400" dirty="0"/>
-              <a:t>就是一个专门用来替代</a:t>
-            </a:r>
-            <a:r>
-              <a:rPr lang="en-US" altLang="zh-CN" sz="1400" dirty="0"/>
-              <a:t>GS</a:t>
-            </a:r>
-            <a:r>
-              <a:rPr lang="zh-CN" altLang="en-US" sz="1400" dirty="0"/>
-              <a:t>的</a:t>
-            </a:r>
-            <a:r>
-              <a:rPr lang="en-US" altLang="zh-CN" sz="1400" dirty="0"/>
-              <a:t>,  </a:t>
-            </a:r>
-            <a:r>
-              <a:rPr lang="zh-CN" altLang="en-US" sz="1400" dirty="0"/>
-              <a:t>用法和</a:t>
-            </a:r>
-            <a:r>
-              <a:rPr lang="en-US" altLang="zh-CN" sz="1400" dirty="0"/>
-              <a:t>CS</a:t>
-            </a:r>
-            <a:r>
-              <a:rPr lang="zh-CN" altLang="en-US" sz="1400" dirty="0"/>
-              <a:t>一样，比传统的</a:t>
-            </a:r>
-            <a:r>
-              <a:rPr lang="en-US" altLang="zh-CN" sz="1400" dirty="0"/>
-              <a:t>GPU Driven</a:t>
-            </a:r>
-            <a:r>
-              <a:rPr lang="zh-CN" altLang="en-US" sz="1400" dirty="0"/>
-              <a:t>的对三角形的裁剪、剔除优势的地方在于：不需要写入</a:t>
+              <a:t>需要写入</a:t>
             </a:r>
             <a:r>
               <a:rPr lang="en-US" altLang="zh-CN" sz="1400" dirty="0"/>
               <a:t>memory</a:t>
             </a:r>
             <a:r>
+              <a:rPr lang="zh-CN" altLang="en-US" sz="1400" dirty="0" smtClean="0"/>
+              <a:t>，</a:t>
+            </a:r>
+            <a:r>
               <a:rPr lang="zh-CN" altLang="en-US" sz="1400" dirty="0"/>
-              <a:t>，直接在管线里面做了。以后做</a:t>
+              <a:t>不需要用</a:t>
+            </a:r>
+            <a:r>
+              <a:rPr lang="en-US" altLang="zh-CN" sz="1400" dirty="0" smtClean="0"/>
+              <a:t>storage </a:t>
             </a:r>
             <a:r>
               <a:rPr lang="en-US" altLang="zh-CN" sz="1400" dirty="0"/>
-              <a:t>GPU Driven</a:t>
+              <a:t>buffer </a:t>
+            </a:r>
+            <a:r>
+              <a:rPr lang="zh-CN" altLang="en-US" sz="1400" dirty="0" smtClean="0"/>
+              <a:t>输入</a:t>
             </a:r>
             <a:r>
               <a:rPr lang="zh-CN" altLang="en-US" sz="1400" dirty="0"/>
-              <a:t>就再也不用先用</a:t>
-            </a:r>
-            <a:r>
-              <a:rPr lang="en-US" altLang="zh-CN" sz="1400" dirty="0"/>
-              <a:t>CS</a:t>
-            </a:r>
-            <a:r>
-              <a:rPr lang="zh-CN" altLang="en-US" sz="1400" dirty="0"/>
-              <a:t>做剔除，把剔除后的结果存放到 </a:t>
-            </a:r>
-            <a:r>
-              <a:rPr lang="en-US" altLang="zh-CN" sz="1400" dirty="0"/>
-              <a:t>storage buffer </a:t>
-            </a:r>
-            <a:r>
-              <a:rPr lang="zh-CN" altLang="en-US" sz="1400" dirty="0"/>
-              <a:t>然后输入到</a:t>
+              <a:t>到</a:t>
             </a:r>
             <a:r>
               <a:rPr lang="en-US" altLang="zh-CN" sz="1400" dirty="0"/>
               <a:t>VS</a:t>
             </a:r>
             <a:r>
-              <a:rPr lang="zh-CN" altLang="en-US" sz="1400" dirty="0"/>
-              <a:t>里面了。</a:t>
+              <a:rPr lang="zh-CN" altLang="en-US" sz="1400" dirty="0" smtClean="0"/>
+              <a:t>里面。</a:t>
             </a:r>
             <a:r>
               <a:rPr lang="en-US" altLang="zh-CN" sz="1400" dirty="0" err="1"/>
@@ -14210,7 +15455,7 @@
         </p:nvSpPr>
         <p:spPr>
           <a:xfrm>
-            <a:off x="651280" y="5035582"/>
+            <a:off x="651280" y="4760623"/>
             <a:ext cx="10774574" cy="1600438"/>
           </a:xfrm>
           <a:prstGeom prst="rect">
@@ -14542,7 +15787,7 @@
         </p:blipFill>
         <p:spPr>
           <a:xfrm>
-            <a:off x="823050" y="1404203"/>
+            <a:off x="7268611" y="1295498"/>
             <a:ext cx="1535190" cy="1550340"/>
           </a:xfrm>
           <a:prstGeom prst="rect">
@@ -14550,6 +15795,200 @@
           </a:prstGeom>
         </p:spPr>
       </p:pic>
+      <p:pic>
+        <p:nvPicPr>
+          <p:cNvPr id="3" name="图片 2"/>
+          <p:cNvPicPr>
+            <a:picLocks noChangeAspect="1"/>
+          </p:cNvPicPr>
+          <p:nvPr/>
+        </p:nvPicPr>
+        <p:blipFill>
+          <a:blip r:embed="rId3"/>
+          <a:stretch>
+            <a:fillRect/>
+          </a:stretch>
+        </p:blipFill>
+        <p:spPr>
+          <a:xfrm>
+            <a:off x="823050" y="1045585"/>
+            <a:ext cx="5007620" cy="2142967"/>
+          </a:xfrm>
+          <a:prstGeom prst="rect">
+            <a:avLst/>
+          </a:prstGeom>
+        </p:spPr>
+      </p:pic>
+      <p:sp>
+        <p:nvSpPr>
+          <p:cNvPr id="5" name="文本框 4"/>
+          <p:cNvSpPr txBox="1"/>
+          <p:nvPr/>
+        </p:nvSpPr>
+        <p:spPr>
+          <a:xfrm>
+            <a:off x="1085222" y="3721544"/>
+            <a:ext cx="4222136" cy="1569660"/>
+          </a:xfrm>
+          <a:prstGeom prst="rect">
+            <a:avLst/>
+          </a:prstGeom>
+          <a:noFill/>
+        </p:spPr>
+        <p:txBody>
+          <a:bodyPr wrap="square" rtlCol="0">
+            <a:spAutoFit/>
+          </a:bodyPr>
+          <a:lstStyle/>
+          <a:p>
+            <a:r>
+              <a:rPr lang="zh-CN" altLang="en-US" sz="1600" dirty="0" smtClean="0"/>
+              <a:t>在</a:t>
+            </a:r>
+            <a:r>
+              <a:rPr lang="en-US" altLang="zh-CN" sz="1600" dirty="0" smtClean="0"/>
+              <a:t>GPU</a:t>
+            </a:r>
+            <a:r>
+              <a:rPr lang="zh-CN" altLang="en-US" sz="1600" dirty="0" smtClean="0"/>
+              <a:t>硬件上，实际渲染的时候是按照</a:t>
+            </a:r>
+            <a:r>
+              <a:rPr lang="en-US" altLang="zh-CN" sz="1600" dirty="0" smtClean="0"/>
+              <a:t>2x2</a:t>
+            </a:r>
+            <a:r>
+              <a:rPr lang="zh-CN" altLang="en-US" sz="1600" dirty="0" smtClean="0"/>
+              <a:t>一个</a:t>
+            </a:r>
+            <a:r>
+              <a:rPr lang="en-US" altLang="zh-CN" sz="1600" dirty="0" smtClean="0"/>
+              <a:t>quad</a:t>
+            </a:r>
+            <a:r>
+              <a:rPr lang="zh-CN" altLang="en-US" sz="1600" dirty="0" smtClean="0"/>
+              <a:t>来渲染的（并不是我们想象中的一个</a:t>
+            </a:r>
+            <a:r>
+              <a:rPr lang="en-US" altLang="zh-CN" sz="1600" dirty="0" smtClean="0"/>
+              <a:t>pixel</a:t>
+            </a:r>
+            <a:r>
+              <a:rPr lang="zh-CN" altLang="en-US" sz="1600" dirty="0" smtClean="0"/>
+              <a:t>只花一次）</a:t>
+            </a:r>
+            <a:endParaRPr lang="en-US" altLang="zh-CN" sz="1600" dirty="0" smtClean="0"/>
+          </a:p>
+          <a:p>
+            <a:endParaRPr lang="en-US" altLang="zh-CN" sz="1600" dirty="0" smtClean="0"/>
+          </a:p>
+          <a:p>
+            <a:r>
+              <a:rPr lang="zh-CN" altLang="en-US" sz="1600" dirty="0"/>
+              <a:t>这</a:t>
+            </a:r>
+            <a:r>
+              <a:rPr lang="zh-CN" altLang="en-US" sz="1600" dirty="0" smtClean="0"/>
+              <a:t>是因为一个</a:t>
+            </a:r>
+            <a:r>
+              <a:rPr lang="en-US" altLang="zh-CN" sz="1600" dirty="0" smtClean="0"/>
+              <a:t>quad</a:t>
+            </a:r>
+            <a:r>
+              <a:rPr lang="zh-CN" altLang="en-US" sz="1600" dirty="0" smtClean="0"/>
+              <a:t>可以计算</a:t>
+            </a:r>
+            <a:r>
+              <a:rPr lang="en-US" altLang="zh-CN" sz="1600" dirty="0" smtClean="0"/>
+              <a:t>dx</a:t>
+            </a:r>
+            <a:r>
+              <a:rPr lang="zh-CN" altLang="en-US" sz="1600" dirty="0" smtClean="0"/>
+              <a:t>和</a:t>
+            </a:r>
+            <a:r>
+              <a:rPr lang="en-US" altLang="zh-CN" sz="1600" dirty="0" err="1" smtClean="0"/>
+              <a:t>dy</a:t>
+            </a:r>
+            <a:r>
+              <a:rPr lang="zh-CN" altLang="en-US" sz="1600" dirty="0" smtClean="0"/>
+              <a:t>，以方便光栅化。</a:t>
+            </a:r>
+            <a:endParaRPr lang="zh-CN" altLang="en-US" sz="1600" dirty="0"/>
+          </a:p>
+        </p:txBody>
+      </p:sp>
+      <p:sp>
+        <p:nvSpPr>
+          <p:cNvPr id="6" name="文本框 5"/>
+          <p:cNvSpPr txBox="1"/>
+          <p:nvPr/>
+        </p:nvSpPr>
+        <p:spPr>
+          <a:xfrm>
+            <a:off x="6941431" y="3721544"/>
+            <a:ext cx="4222136" cy="1323439"/>
+          </a:xfrm>
+          <a:prstGeom prst="rect">
+            <a:avLst/>
+          </a:prstGeom>
+          <a:noFill/>
+        </p:spPr>
+        <p:txBody>
+          <a:bodyPr wrap="square" rtlCol="0">
+            <a:spAutoFit/>
+          </a:bodyPr>
+          <a:lstStyle/>
+          <a:p>
+            <a:r>
+              <a:rPr lang="zh-CN" altLang="en-US" sz="1600" dirty="0" smtClean="0"/>
+              <a:t>按照左边这种光栅化的方式，就会有一些小三角形存在</a:t>
+            </a:r>
+            <a:r>
+              <a:rPr lang="en-US" altLang="zh-CN" sz="1600" dirty="0" smtClean="0"/>
+              <a:t>quad overdraw</a:t>
+            </a:r>
+            <a:r>
+              <a:rPr lang="zh-CN" altLang="en-US" sz="1600" dirty="0" smtClean="0"/>
+              <a:t>的情况，意思就是说一个小三角形，可能只有三个</a:t>
+            </a:r>
+            <a:r>
+              <a:rPr lang="en-US" altLang="zh-CN" sz="1600" dirty="0" smtClean="0"/>
+              <a:t>pixel</a:t>
+            </a:r>
+            <a:r>
+              <a:rPr lang="zh-CN" altLang="en-US" sz="1600" dirty="0" smtClean="0"/>
+              <a:t>有用，但是实际上要渲染</a:t>
+            </a:r>
+            <a:r>
+              <a:rPr lang="en-US" altLang="zh-CN" sz="1600" dirty="0" smtClean="0"/>
+              <a:t>12</a:t>
+            </a:r>
+            <a:r>
+              <a:rPr lang="zh-CN" altLang="en-US" sz="1600" dirty="0" smtClean="0"/>
+              <a:t>个</a:t>
+            </a:r>
+            <a:r>
+              <a:rPr lang="en-US" altLang="zh-CN" sz="1600" dirty="0" smtClean="0"/>
+              <a:t>pixel</a:t>
+            </a:r>
+            <a:r>
+              <a:rPr lang="zh-CN" altLang="en-US" sz="1600" dirty="0" smtClean="0"/>
+              <a:t>，如上所示。最差的情况下会有</a:t>
+            </a:r>
+            <a:r>
+              <a:rPr lang="en-US" altLang="zh-CN" sz="1600" dirty="0" smtClean="0"/>
+              <a:t>3x</a:t>
+            </a:r>
+            <a:r>
+              <a:rPr lang="zh-CN" altLang="en-US" sz="1600" dirty="0" smtClean="0"/>
+              <a:t>的浪费。</a:t>
+            </a:r>
+            <a:endParaRPr lang="zh-CN" altLang="en-US" sz="1600" dirty="0"/>
+          </a:p>
+        </p:txBody>
+      </p:sp>
     </p:spTree>
     <p:extLst>
       <p:ext uri="{BB962C8B-B14F-4D97-AF65-F5344CB8AC3E}">
@@ -14822,4 +16261,265 @@
     </a:ext>
   </a:extLst>
 </a:theme>
+</file>
+
+<file path=ppt/theme/theme2.xml><?xml version="1.0" encoding="utf-8"?>
+<a:theme xmlns:a="http://schemas.openxmlformats.org/drawingml/2006/main" name="Office 主题​​">
+  <a:themeElements>
+    <a:clrScheme name="Office">
+      <a:dk1>
+        <a:sysClr val="windowText" lastClr="000000"/>
+      </a:dk1>
+      <a:lt1>
+        <a:sysClr val="window" lastClr="FFFFFF"/>
+      </a:lt1>
+      <a:dk2>
+        <a:srgbClr val="44546A"/>
+      </a:dk2>
+      <a:lt2>
+        <a:srgbClr val="E7E6E6"/>
+      </a:lt2>
+      <a:accent1>
+        <a:srgbClr val="5B9BD5"/>
+      </a:accent1>
+      <a:accent2>
+        <a:srgbClr val="ED7D31"/>
+      </a:accent2>
+      <a:accent3>
+        <a:srgbClr val="A5A5A5"/>
+      </a:accent3>
+      <a:accent4>
+        <a:srgbClr val="FFC000"/>
+      </a:accent4>
+      <a:accent5>
+        <a:srgbClr val="4472C4"/>
+      </a:accent5>
+      <a:accent6>
+        <a:srgbClr val="70AD47"/>
+      </a:accent6>
+      <a:hlink>
+        <a:srgbClr val="0563C1"/>
+      </a:hlink>
+      <a:folHlink>
+        <a:srgbClr val="954F72"/>
+      </a:folHlink>
+    </a:clrScheme>
+    <a:fontScheme name="Office">
+      <a:majorFont>
+        <a:latin typeface="等线 Light" panose="020F0302020204030204"/>
+        <a:ea typeface=""/>
+        <a:cs typeface=""/>
+        <a:font script="Jpan" typeface="游ゴシック Light"/>
+        <a:font script="Hang" typeface="맑은 고딕"/>
+        <a:font script="Hans" typeface="等线 Light"/>
+        <a:font script="Hant" typeface="新細明體"/>
+        <a:font script="Arab" typeface="Times New Roman"/>
+        <a:font script="Hebr" typeface="Times New Roman"/>
+        <a:font script="Thai" typeface="Angsana New"/>
+        <a:font script="Ethi" typeface="Nyala"/>
+        <a:font script="Beng" typeface="Vrinda"/>
+        <a:font script="Gujr" typeface="Shruti"/>
+        <a:font script="Khmr" typeface="MoolBoran"/>
+        <a:font script="Knda" typeface="Tunga"/>
+        <a:font script="Guru" typeface="Raavi"/>
+        <a:font script="Cans" typeface="Euphemia"/>
+        <a:font script="Cher" typeface="Plantagenet Cherokee"/>
+        <a:font script="Yiii" typeface="Microsoft Yi Baiti"/>
+        <a:font script="Tibt" typeface="Microsoft Himalaya"/>
+        <a:font script="Thaa" typeface="MV Boli"/>
+        <a:font script="Deva" typeface="Mangal"/>
+        <a:font script="Telu" typeface="Gautami"/>
+        <a:font script="Taml" typeface="Latha"/>
+        <a:font script="Syrc" typeface="Estrangelo Edessa"/>
+        <a:font script="Orya" typeface="Kalinga"/>
+        <a:font script="Mlym" typeface="Kartika"/>
+        <a:font script="Laoo" typeface="DokChampa"/>
+        <a:font script="Sinh" typeface="Iskoola Pota"/>
+        <a:font script="Mong" typeface="Mongolian Baiti"/>
+        <a:font script="Viet" typeface="Times New Roman"/>
+        <a:font script="Uigh" typeface="Microsoft Uighur"/>
+        <a:font script="Geor" typeface="Sylfaen"/>
+      </a:majorFont>
+      <a:minorFont>
+        <a:latin typeface="等线" panose="020F0502020204030204"/>
+        <a:ea typeface=""/>
+        <a:cs typeface=""/>
+        <a:font script="Jpan" typeface="游ゴシック"/>
+        <a:font script="Hang" typeface="맑은 고딕"/>
+        <a:font script="Hans" typeface="等线"/>
+        <a:font script="Hant" typeface="新細明體"/>
+        <a:font script="Arab" typeface="Arial"/>
+        <a:font script="Hebr" typeface="Arial"/>
+        <a:font script="Thai" typeface="Cordia New"/>
+        <a:font script="Ethi" typeface="Nyala"/>
+        <a:font script="Beng" typeface="Vrinda"/>
+        <a:font script="Gujr" typeface="Shruti"/>
+        <a:font script="Khmr" typeface="DaunPenh"/>
+        <a:font script="Knda" typeface="Tunga"/>
+        <a:font script="Guru" typeface="Raavi"/>
+        <a:font script="Cans" typeface="Euphemia"/>
+        <a:font script="Cher" typeface="Plantagenet Cherokee"/>
+        <a:font script="Yiii" typeface="Microsoft Yi Baiti"/>
+        <a:font script="Tibt" typeface="Microsoft Himalaya"/>
+        <a:font script="Thaa" typeface="MV Boli"/>
+        <a:font script="Deva" typeface="Mangal"/>
+        <a:font script="Telu" typeface="Gautami"/>
+        <a:font script="Taml" typeface="Latha"/>
+        <a:font script="Syrc" typeface="Estrangelo Edessa"/>
+        <a:font script="Orya" typeface="Kalinga"/>
+        <a:font script="Mlym" typeface="Kartika"/>
+        <a:font script="Laoo" typeface="DokChampa"/>
+        <a:font script="Sinh" typeface="Iskoola Pota"/>
+        <a:font script="Mong" typeface="Mongolian Baiti"/>
+        <a:font script="Viet" typeface="Arial"/>
+        <a:font script="Uigh" typeface="Microsoft Uighur"/>
+        <a:font script="Geor" typeface="Sylfaen"/>
+      </a:minorFont>
+    </a:fontScheme>
+    <a:fmtScheme name="Office">
+      <a:fillStyleLst>
+        <a:solidFill>
+          <a:schemeClr val="phClr"/>
+        </a:solidFill>
+        <a:gradFill rotWithShape="1">
+          <a:gsLst>
+            <a:gs pos="0">
+              <a:schemeClr val="phClr">
+                <a:lumMod val="110000"/>
+                <a:satMod val="105000"/>
+                <a:tint val="67000"/>
+              </a:schemeClr>
+            </a:gs>
+            <a:gs pos="50000">
+              <a:schemeClr val="phClr">
+                <a:lumMod val="105000"/>
+                <a:satMod val="103000"/>
+                <a:tint val="73000"/>
+              </a:schemeClr>
+            </a:gs>
+            <a:gs pos="100000">
+              <a:schemeClr val="phClr">
+                <a:lumMod val="105000"/>
+                <a:satMod val="109000"/>
+                <a:tint val="81000"/>
+              </a:schemeClr>
+            </a:gs>
+          </a:gsLst>
+          <a:lin ang="5400000" scaled="0"/>
+        </a:gradFill>
+        <a:gradFill rotWithShape="1">
+          <a:gsLst>
+            <a:gs pos="0">
+              <a:schemeClr val="phClr">
+                <a:satMod val="103000"/>
+                <a:lumMod val="102000"/>
+                <a:tint val="94000"/>
+              </a:schemeClr>
+            </a:gs>
+            <a:gs pos="50000">
+              <a:schemeClr val="phClr">
+                <a:satMod val="110000"/>
+                <a:lumMod val="100000"/>
+                <a:shade val="100000"/>
+              </a:schemeClr>
+            </a:gs>
+            <a:gs pos="100000">
+              <a:schemeClr val="phClr">
+                <a:lumMod val="99000"/>
+                <a:satMod val="120000"/>
+                <a:shade val="78000"/>
+              </a:schemeClr>
+            </a:gs>
+          </a:gsLst>
+          <a:lin ang="5400000" scaled="0"/>
+        </a:gradFill>
+      </a:fillStyleLst>
+      <a:lnStyleLst>
+        <a:ln w="6350" cap="flat" cmpd="sng" algn="ctr">
+          <a:solidFill>
+            <a:schemeClr val="phClr"/>
+          </a:solidFill>
+          <a:prstDash val="solid"/>
+          <a:miter lim="800000"/>
+        </a:ln>
+        <a:ln w="12700" cap="flat" cmpd="sng" algn="ctr">
+          <a:solidFill>
+            <a:schemeClr val="phClr"/>
+          </a:solidFill>
+          <a:prstDash val="solid"/>
+          <a:miter lim="800000"/>
+        </a:ln>
+        <a:ln w="19050" cap="flat" cmpd="sng" algn="ctr">
+          <a:solidFill>
+            <a:schemeClr val="phClr"/>
+          </a:solidFill>
+          <a:prstDash val="solid"/>
+          <a:miter lim="800000"/>
+        </a:ln>
+      </a:lnStyleLst>
+      <a:effectStyleLst>
+        <a:effectStyle>
+          <a:effectLst/>
+        </a:effectStyle>
+        <a:effectStyle>
+          <a:effectLst/>
+        </a:effectStyle>
+        <a:effectStyle>
+          <a:effectLst>
+            <a:outerShdw blurRad="57150" dist="19050" dir="5400000" algn="ctr" rotWithShape="0">
+              <a:srgbClr val="000000">
+                <a:alpha val="63000"/>
+              </a:srgbClr>
+            </a:outerShdw>
+          </a:effectLst>
+        </a:effectStyle>
+      </a:effectStyleLst>
+      <a:bgFillStyleLst>
+        <a:solidFill>
+          <a:schemeClr val="phClr"/>
+        </a:solidFill>
+        <a:solidFill>
+          <a:schemeClr val="phClr">
+            <a:tint val="95000"/>
+            <a:satMod val="170000"/>
+          </a:schemeClr>
+        </a:solidFill>
+        <a:gradFill rotWithShape="1">
+          <a:gsLst>
+            <a:gs pos="0">
+              <a:schemeClr val="phClr">
+                <a:tint val="93000"/>
+                <a:satMod val="150000"/>
+                <a:shade val="98000"/>
+                <a:lumMod val="102000"/>
+              </a:schemeClr>
+            </a:gs>
+            <a:gs pos="50000">
+              <a:schemeClr val="phClr">
+                <a:tint val="98000"/>
+                <a:satMod val="130000"/>
+                <a:shade val="90000"/>
+                <a:lumMod val="103000"/>
+              </a:schemeClr>
+            </a:gs>
+            <a:gs pos="100000">
+              <a:schemeClr val="phClr">
+                <a:shade val="63000"/>
+                <a:satMod val="120000"/>
+              </a:schemeClr>
+            </a:gs>
+          </a:gsLst>
+          <a:lin ang="5400000" scaled="0"/>
+        </a:gradFill>
+      </a:bgFillStyleLst>
+    </a:fmtScheme>
+  </a:themeElements>
+  <a:objectDefaults/>
+  <a:extraClrSchemeLst/>
+  <a:extLst>
+    <a:ext uri="{05A4C25C-085E-4340-85A3-A5531E510DB2}">
+      <thm15:themeFamily xmlns:thm15="http://schemas.microsoft.com/office/thememl/2012/main" name="Office Theme" id="{62F939B6-93AF-4DB8-9C6B-D6C7DFDC589F}" vid="{4A3C46E8-61CC-4603-A589-7422A47A8E4A}"/>
+    </a:ext>
+  </a:extLst>
+</a:theme>
 </file>
--- a/UE5_ppt/nanite简析.pptx
+++ b/UE5_ppt/nanite简析.pptx
@@ -5,7 +5,7 @@
     <p:sldMasterId id="2147483648" r:id="rId1"/>
   </p:sldMasterIdLst>
   <p:notesMasterIdLst>
-    <p:notesMasterId r:id="rId22"/>
+    <p:notesMasterId r:id="rId21"/>
   </p:notesMasterIdLst>
   <p:sldIdLst>
     <p:sldId id="256" r:id="rId2"/>
@@ -27,7 +27,6 @@
     <p:sldId id="274" r:id="rId18"/>
     <p:sldId id="275" r:id="rId19"/>
     <p:sldId id="273" r:id="rId20"/>
-    <p:sldId id="276" r:id="rId21"/>
   </p:sldIdLst>
   <p:sldSz cx="12192000" cy="6858000"/>
   <p:notesSz cx="6858000" cy="9144000"/>
@@ -216,7 +215,7 @@
           <a:p>
             <a:fld id="{8EE575D4-6A92-4613-8274-48759A4B2E7F}" type="datetimeFigureOut">
               <a:rPr lang="zh-CN" altLang="en-US" smtClean="0"/>
-              <a:t>2021/6/27</a:t>
+              <a:t>2021/6/28</a:t>
             </a:fld>
             <a:endParaRPr lang="zh-CN" altLang="en-US"/>
           </a:p>
@@ -699,7 +698,7 @@
           <a:p>
             <a:fld id="{9094144D-AE78-42F4-AB3E-30763FE96959}" type="datetimeFigureOut">
               <a:rPr lang="zh-CN" altLang="en-US" smtClean="0"/>
-              <a:t>2021/6/27</a:t>
+              <a:t>2021/6/28</a:t>
             </a:fld>
             <a:endParaRPr lang="zh-CN" altLang="en-US"/>
           </a:p>
@@ -869,7 +868,7 @@
           <a:p>
             <a:fld id="{9094144D-AE78-42F4-AB3E-30763FE96959}" type="datetimeFigureOut">
               <a:rPr lang="zh-CN" altLang="en-US" smtClean="0"/>
-              <a:t>2021/6/27</a:t>
+              <a:t>2021/6/28</a:t>
             </a:fld>
             <a:endParaRPr lang="zh-CN" altLang="en-US"/>
           </a:p>
@@ -1049,7 +1048,7 @@
           <a:p>
             <a:fld id="{9094144D-AE78-42F4-AB3E-30763FE96959}" type="datetimeFigureOut">
               <a:rPr lang="zh-CN" altLang="en-US" smtClean="0"/>
-              <a:t>2021/6/27</a:t>
+              <a:t>2021/6/28</a:t>
             </a:fld>
             <a:endParaRPr lang="zh-CN" altLang="en-US"/>
           </a:p>
@@ -1338,7 +1337,7 @@
           <a:p>
             <a:fld id="{9094144D-AE78-42F4-AB3E-30763FE96959}" type="datetimeFigureOut">
               <a:rPr lang="zh-CN" altLang="en-US" smtClean="0"/>
-              <a:t>2021/6/27</a:t>
+              <a:t>2021/6/28</a:t>
             </a:fld>
             <a:endParaRPr lang="zh-CN" altLang="en-US"/>
           </a:p>
@@ -1584,7 +1583,7 @@
           <a:p>
             <a:fld id="{9094144D-AE78-42F4-AB3E-30763FE96959}" type="datetimeFigureOut">
               <a:rPr lang="zh-CN" altLang="en-US" smtClean="0"/>
-              <a:t>2021/6/27</a:t>
+              <a:t>2021/6/28</a:t>
             </a:fld>
             <a:endParaRPr lang="zh-CN" altLang="en-US"/>
           </a:p>
@@ -1816,7 +1815,7 @@
           <a:p>
             <a:fld id="{9094144D-AE78-42F4-AB3E-30763FE96959}" type="datetimeFigureOut">
               <a:rPr lang="zh-CN" altLang="en-US" smtClean="0"/>
-              <a:t>2021/6/27</a:t>
+              <a:t>2021/6/28</a:t>
             </a:fld>
             <a:endParaRPr lang="zh-CN" altLang="en-US"/>
           </a:p>
@@ -2183,7 +2182,7 @@
           <a:p>
             <a:fld id="{9094144D-AE78-42F4-AB3E-30763FE96959}" type="datetimeFigureOut">
               <a:rPr lang="zh-CN" altLang="en-US" smtClean="0"/>
-              <a:t>2021/6/27</a:t>
+              <a:t>2021/6/28</a:t>
             </a:fld>
             <a:endParaRPr lang="zh-CN" altLang="en-US"/>
           </a:p>
@@ -2301,7 +2300,7 @@
           <a:p>
             <a:fld id="{9094144D-AE78-42F4-AB3E-30763FE96959}" type="datetimeFigureOut">
               <a:rPr lang="zh-CN" altLang="en-US" smtClean="0"/>
-              <a:t>2021/6/27</a:t>
+              <a:t>2021/6/28</a:t>
             </a:fld>
             <a:endParaRPr lang="zh-CN" altLang="en-US"/>
           </a:p>
@@ -2396,7 +2395,7 @@
           <a:p>
             <a:fld id="{9094144D-AE78-42F4-AB3E-30763FE96959}" type="datetimeFigureOut">
               <a:rPr lang="zh-CN" altLang="en-US" smtClean="0"/>
-              <a:t>2021/6/27</a:t>
+              <a:t>2021/6/28</a:t>
             </a:fld>
             <a:endParaRPr lang="zh-CN" altLang="en-US"/>
           </a:p>
@@ -2673,7 +2672,7 @@
           <a:p>
             <a:fld id="{9094144D-AE78-42F4-AB3E-30763FE96959}" type="datetimeFigureOut">
               <a:rPr lang="zh-CN" altLang="en-US" smtClean="0"/>
-              <a:t>2021/6/27</a:t>
+              <a:t>2021/6/28</a:t>
             </a:fld>
             <a:endParaRPr lang="zh-CN" altLang="en-US"/>
           </a:p>
@@ -2926,7 +2925,7 @@
           <a:p>
             <a:fld id="{9094144D-AE78-42F4-AB3E-30763FE96959}" type="datetimeFigureOut">
               <a:rPr lang="zh-CN" altLang="en-US" smtClean="0"/>
-              <a:t>2021/6/27</a:t>
+              <a:t>2021/6/28</a:t>
             </a:fld>
             <a:endParaRPr lang="zh-CN" altLang="en-US"/>
           </a:p>
@@ -3139,7 +3138,7 @@
           <a:p>
             <a:fld id="{9094144D-AE78-42F4-AB3E-30763FE96959}" type="datetimeFigureOut">
               <a:rPr lang="zh-CN" altLang="en-US" smtClean="0"/>
-              <a:t>2021/6/27</a:t>
+              <a:t>2021/6/28</a:t>
             </a:fld>
             <a:endParaRPr lang="zh-CN" altLang="en-US"/>
           </a:p>
@@ -8864,6 +8863,965 @@
           </a:p>
         </p:txBody>
       </p:sp>
+      <p:sp>
+        <p:nvSpPr>
+          <p:cNvPr id="5" name="文本框 4"/>
+          <p:cNvSpPr txBox="1"/>
+          <p:nvPr/>
+        </p:nvSpPr>
+        <p:spPr>
+          <a:xfrm>
+            <a:off x="773724" y="1119021"/>
+            <a:ext cx="4348819" cy="307777"/>
+          </a:xfrm>
+          <a:prstGeom prst="rect">
+            <a:avLst/>
+          </a:prstGeom>
+          <a:noFill/>
+        </p:spPr>
+        <p:txBody>
+          <a:bodyPr wrap="none" rtlCol="0">
+            <a:spAutoFit/>
+          </a:bodyPr>
+          <a:lstStyle/>
+          <a:p>
+            <a:r>
+              <a:rPr lang="en-US" altLang="zh-CN" sz="1400" dirty="0" err="1" smtClean="0"/>
+              <a:t>RemoveDegenerateTriangles</a:t>
+            </a:r>
+            <a:r>
+              <a:rPr lang="en-US" altLang="zh-CN" sz="1400" dirty="0" smtClean="0"/>
+              <a:t>(Clusters) : </a:t>
+            </a:r>
+            <a:r>
+              <a:rPr lang="zh-CN" altLang="en-US" sz="1400" dirty="0" smtClean="0"/>
+              <a:t>去除退化三角形</a:t>
+            </a:r>
+            <a:endParaRPr lang="en-US" altLang="zh-CN" sz="1400" dirty="0"/>
+          </a:p>
+        </p:txBody>
+      </p:sp>
+      <p:sp>
+        <p:nvSpPr>
+          <p:cNvPr id="6" name="文本框 5"/>
+          <p:cNvSpPr txBox="1"/>
+          <p:nvPr/>
+        </p:nvSpPr>
+        <p:spPr>
+          <a:xfrm>
+            <a:off x="773724" y="1728456"/>
+            <a:ext cx="4882747" cy="307777"/>
+          </a:xfrm>
+          <a:prstGeom prst="rect">
+            <a:avLst/>
+          </a:prstGeom>
+          <a:noFill/>
+        </p:spPr>
+        <p:txBody>
+          <a:bodyPr wrap="none" rtlCol="0">
+            <a:spAutoFit/>
+          </a:bodyPr>
+          <a:lstStyle/>
+          <a:p>
+            <a:r>
+              <a:rPr lang="en-US" altLang="zh-CN" sz="1400" dirty="0" err="1" smtClean="0"/>
+              <a:t>BuildMaterialRanges</a:t>
+            </a:r>
+            <a:r>
+              <a:rPr lang="en-US" altLang="zh-CN" sz="1400" dirty="0" smtClean="0"/>
+              <a:t>(Clusters): </a:t>
+            </a:r>
+            <a:r>
+              <a:rPr lang="zh-CN" altLang="en-US" sz="1400" dirty="0" smtClean="0"/>
+              <a:t>把</a:t>
+            </a:r>
+            <a:r>
+              <a:rPr lang="en-US" altLang="zh-CN" sz="1400" dirty="0" smtClean="0"/>
+              <a:t>Material </a:t>
+            </a:r>
+            <a:r>
+              <a:rPr lang="zh-CN" altLang="en-US" sz="1400" dirty="0" smtClean="0"/>
+              <a:t>按照</a:t>
+            </a:r>
+            <a:r>
+              <a:rPr lang="en-US" altLang="zh-CN" sz="1400" dirty="0" smtClean="0"/>
+              <a:t>cluster</a:t>
+            </a:r>
+            <a:r>
+              <a:rPr lang="zh-CN" altLang="en-US" sz="1400" dirty="0" smtClean="0"/>
+              <a:t>计算范围</a:t>
+            </a:r>
+            <a:endParaRPr lang="en-US" altLang="zh-CN" sz="1400" dirty="0"/>
+          </a:p>
+        </p:txBody>
+      </p:sp>
+      <p:sp>
+        <p:nvSpPr>
+          <p:cNvPr id="7" name="文本框 6"/>
+          <p:cNvSpPr txBox="1"/>
+          <p:nvPr/>
+        </p:nvSpPr>
+        <p:spPr>
+          <a:xfrm>
+            <a:off x="773724" y="2337891"/>
+            <a:ext cx="4908651" cy="307777"/>
+          </a:xfrm>
+          <a:prstGeom prst="rect">
+            <a:avLst/>
+          </a:prstGeom>
+          <a:noFill/>
+        </p:spPr>
+        <p:txBody>
+          <a:bodyPr wrap="none" rtlCol="0">
+            <a:spAutoFit/>
+          </a:bodyPr>
+          <a:lstStyle/>
+          <a:p>
+            <a:r>
+              <a:rPr lang="en-US" altLang="zh-CN" sz="1400" dirty="0" err="1" smtClean="0"/>
+              <a:t>ConstrainClusters</a:t>
+            </a:r>
+            <a:r>
+              <a:rPr lang="en-US" altLang="zh-CN" sz="1400" dirty="0" smtClean="0"/>
+              <a:t>(Groups</a:t>
+            </a:r>
+            <a:r>
+              <a:rPr lang="en-US" altLang="zh-CN" sz="1400" dirty="0"/>
+              <a:t>, </a:t>
+            </a:r>
+            <a:r>
+              <a:rPr lang="en-US" altLang="zh-CN" sz="1400" dirty="0" smtClean="0"/>
+              <a:t>Clusters)</a:t>
+            </a:r>
+            <a:r>
+              <a:rPr lang="en-US" altLang="zh-CN" sz="1400" dirty="0"/>
+              <a:t>:</a:t>
+            </a:r>
+            <a:r>
+              <a:rPr lang="en-US" altLang="zh-CN" sz="1400" dirty="0" smtClean="0"/>
+              <a:t> </a:t>
+            </a:r>
+            <a:r>
+              <a:rPr lang="zh-CN" altLang="en-US" sz="1400" dirty="0" smtClean="0"/>
+              <a:t>对三角形的</a:t>
+            </a:r>
+            <a:r>
+              <a:rPr lang="en-US" altLang="zh-CN" sz="1400" dirty="0" smtClean="0"/>
+              <a:t>cluster</a:t>
+            </a:r>
+            <a:r>
+              <a:rPr lang="zh-CN" altLang="en-US" sz="1400" dirty="0" smtClean="0"/>
+              <a:t>做约束</a:t>
+            </a:r>
+            <a:endParaRPr lang="en-US" altLang="zh-CN" sz="1400" dirty="0"/>
+          </a:p>
+        </p:txBody>
+      </p:sp>
+      <p:sp>
+        <p:nvSpPr>
+          <p:cNvPr id="8" name="文本框 7"/>
+          <p:cNvSpPr txBox="1"/>
+          <p:nvPr/>
+        </p:nvSpPr>
+        <p:spPr>
+          <a:xfrm>
+            <a:off x="773723" y="2947326"/>
+            <a:ext cx="5650971" cy="307777"/>
+          </a:xfrm>
+          <a:prstGeom prst="rect">
+            <a:avLst/>
+          </a:prstGeom>
+          <a:noFill/>
+        </p:spPr>
+        <p:txBody>
+          <a:bodyPr wrap="none" rtlCol="0">
+            <a:spAutoFit/>
+          </a:bodyPr>
+          <a:lstStyle/>
+          <a:p>
+            <a:r>
+              <a:rPr lang="en-US" altLang="zh-CN" sz="1400" dirty="0" err="1" smtClean="0"/>
+              <a:t>CalculateQuantizedPositionsUniformGrid</a:t>
+            </a:r>
+            <a:r>
+              <a:rPr lang="en-US" altLang="zh-CN" sz="1400" dirty="0" smtClean="0"/>
+              <a:t>(Clusters</a:t>
+            </a:r>
+            <a:r>
+              <a:rPr lang="en-US" altLang="zh-CN" sz="1400" dirty="0"/>
+              <a:t>, </a:t>
+            </a:r>
+            <a:r>
+              <a:rPr lang="en-US" altLang="zh-CN" sz="1400" dirty="0" err="1"/>
+              <a:t>MeshBounds</a:t>
+            </a:r>
+            <a:r>
+              <a:rPr lang="en-US" altLang="zh-CN" sz="1400" dirty="0"/>
+              <a:t>, </a:t>
+            </a:r>
+            <a:r>
+              <a:rPr lang="en-US" altLang="zh-CN" sz="1400" dirty="0" smtClean="0"/>
+              <a:t>Settings)</a:t>
+            </a:r>
+            <a:endParaRPr lang="en-US" altLang="zh-CN" sz="1400" dirty="0"/>
+          </a:p>
+        </p:txBody>
+      </p:sp>
+      <p:sp>
+        <p:nvSpPr>
+          <p:cNvPr id="9" name="文本框 8"/>
+          <p:cNvSpPr txBox="1"/>
+          <p:nvPr/>
+        </p:nvSpPr>
+        <p:spPr>
+          <a:xfrm>
+            <a:off x="789721" y="3556761"/>
+            <a:ext cx="2733505" cy="307777"/>
+          </a:xfrm>
+          <a:prstGeom prst="rect">
+            <a:avLst/>
+          </a:prstGeom>
+          <a:noFill/>
+        </p:spPr>
+        <p:txBody>
+          <a:bodyPr wrap="none" rtlCol="0">
+            <a:spAutoFit/>
+          </a:bodyPr>
+          <a:lstStyle/>
+          <a:p>
+            <a:r>
+              <a:rPr lang="en-US" altLang="zh-CN" sz="1400" dirty="0" err="1" smtClean="0"/>
+              <a:t>PrintMaterialRangeStats</a:t>
+            </a:r>
+            <a:r>
+              <a:rPr lang="en-US" altLang="zh-CN" sz="1400" dirty="0" smtClean="0"/>
+              <a:t>(Clusters)</a:t>
+            </a:r>
+            <a:endParaRPr lang="en-US" altLang="zh-CN" sz="1400" dirty="0"/>
+          </a:p>
+        </p:txBody>
+      </p:sp>
+      <p:sp>
+        <p:nvSpPr>
+          <p:cNvPr id="10" name="文本框 9"/>
+          <p:cNvSpPr txBox="1"/>
+          <p:nvPr/>
+        </p:nvSpPr>
+        <p:spPr>
+          <a:xfrm>
+            <a:off x="773723" y="4166196"/>
+            <a:ext cx="5762283" cy="307777"/>
+          </a:xfrm>
+          <a:prstGeom prst="rect">
+            <a:avLst/>
+          </a:prstGeom>
+          <a:noFill/>
+        </p:spPr>
+        <p:txBody>
+          <a:bodyPr wrap="none" rtlCol="0">
+            <a:spAutoFit/>
+          </a:bodyPr>
+          <a:lstStyle/>
+          <a:p>
+            <a:r>
+              <a:rPr lang="en-US" altLang="zh-CN" sz="1400" dirty="0" err="1"/>
+              <a:t>CalculateEncodingInfos</a:t>
+            </a:r>
+            <a:r>
+              <a:rPr lang="en-US" altLang="zh-CN" sz="1400" dirty="0"/>
+              <a:t>(</a:t>
+            </a:r>
+            <a:r>
+              <a:rPr lang="en-US" altLang="zh-CN" sz="1400" dirty="0" err="1"/>
+              <a:t>EncodingInfos</a:t>
+            </a:r>
+            <a:r>
+              <a:rPr lang="en-US" altLang="zh-CN" sz="1400" dirty="0"/>
+              <a:t>, Clusters, </a:t>
+            </a:r>
+            <a:r>
+              <a:rPr lang="en-US" altLang="zh-CN" sz="1400" dirty="0" err="1"/>
+              <a:t>bHasColors</a:t>
+            </a:r>
+            <a:r>
+              <a:rPr lang="en-US" altLang="zh-CN" sz="1400" dirty="0"/>
+              <a:t>, </a:t>
+            </a:r>
+            <a:r>
+              <a:rPr lang="en-US" altLang="zh-CN" sz="1400" dirty="0" err="1"/>
+              <a:t>NumTexCoords</a:t>
+            </a:r>
+            <a:r>
+              <a:rPr lang="en-US" altLang="zh-CN" sz="1400" dirty="0"/>
+              <a:t>)</a:t>
+            </a:r>
+            <a:endParaRPr lang="en-US" altLang="zh-CN" sz="1400" dirty="0"/>
+          </a:p>
+        </p:txBody>
+      </p:sp>
+      <p:sp>
+        <p:nvSpPr>
+          <p:cNvPr id="11" name="文本框 10"/>
+          <p:cNvSpPr txBox="1"/>
+          <p:nvPr/>
+        </p:nvSpPr>
+        <p:spPr>
+          <a:xfrm>
+            <a:off x="789721" y="4775631"/>
+            <a:ext cx="5640006" cy="307777"/>
+          </a:xfrm>
+          <a:prstGeom prst="rect">
+            <a:avLst/>
+          </a:prstGeom>
+          <a:noFill/>
+        </p:spPr>
+        <p:txBody>
+          <a:bodyPr wrap="none" rtlCol="0">
+            <a:spAutoFit/>
+          </a:bodyPr>
+          <a:lstStyle/>
+          <a:p>
+            <a:r>
+              <a:rPr lang="fr-FR" altLang="zh-CN" sz="1400" dirty="0"/>
+              <a:t>AssignClustersToPages(Groups, Clusters, EncodingInfos, Pages, GroupParts)</a:t>
+            </a:r>
+            <a:endParaRPr lang="en-US" altLang="zh-CN" sz="1400" dirty="0"/>
+          </a:p>
+        </p:txBody>
+      </p:sp>
+      <p:sp>
+        <p:nvSpPr>
+          <p:cNvPr id="12" name="文本框 11"/>
+          <p:cNvSpPr txBox="1"/>
+          <p:nvPr/>
+        </p:nvSpPr>
+        <p:spPr>
+          <a:xfrm>
+            <a:off x="789721" y="5385066"/>
+            <a:ext cx="4754700" cy="307777"/>
+          </a:xfrm>
+          <a:prstGeom prst="rect">
+            <a:avLst/>
+          </a:prstGeom>
+          <a:noFill/>
+        </p:spPr>
+        <p:txBody>
+          <a:bodyPr wrap="none" rtlCol="0">
+            <a:spAutoFit/>
+          </a:bodyPr>
+          <a:lstStyle/>
+          <a:p>
+            <a:r>
+              <a:rPr lang="en-US" altLang="zh-CN" sz="1400" dirty="0" err="1"/>
+              <a:t>BuildHierarchies</a:t>
+            </a:r>
+            <a:r>
+              <a:rPr lang="en-US" altLang="zh-CN" sz="1400" dirty="0"/>
+              <a:t>(Resources, Groups, </a:t>
+            </a:r>
+            <a:r>
+              <a:rPr lang="en-US" altLang="zh-CN" sz="1400" dirty="0" err="1"/>
+              <a:t>GroupParts</a:t>
+            </a:r>
+            <a:r>
+              <a:rPr lang="en-US" altLang="zh-CN" sz="1400" dirty="0"/>
+              <a:t>, </a:t>
+            </a:r>
+            <a:r>
+              <a:rPr lang="en-US" altLang="zh-CN" sz="1400" dirty="0" err="1"/>
+              <a:t>NumMeshes</a:t>
+            </a:r>
+            <a:r>
+              <a:rPr lang="en-US" altLang="zh-CN" sz="1400" dirty="0"/>
+              <a:t>)</a:t>
+            </a:r>
+            <a:endParaRPr lang="en-US" altLang="zh-CN" sz="1400" dirty="0"/>
+          </a:p>
+        </p:txBody>
+      </p:sp>
+      <p:sp>
+        <p:nvSpPr>
+          <p:cNvPr id="13" name="文本框 12"/>
+          <p:cNvSpPr txBox="1"/>
+          <p:nvPr/>
+        </p:nvSpPr>
+        <p:spPr>
+          <a:xfrm>
+            <a:off x="789721" y="5994501"/>
+            <a:ext cx="6845592" cy="307777"/>
+          </a:xfrm>
+          <a:prstGeom prst="rect">
+            <a:avLst/>
+          </a:prstGeom>
+          <a:noFill/>
+        </p:spPr>
+        <p:txBody>
+          <a:bodyPr wrap="none" rtlCol="0">
+            <a:spAutoFit/>
+          </a:bodyPr>
+          <a:lstStyle/>
+          <a:p>
+            <a:r>
+              <a:rPr lang="fr-FR" altLang="zh-CN" sz="1400" dirty="0"/>
+              <a:t>WritePages(Resources, Pages, Groups, GroupParts, Clusters, EncodingInfos, NumTexCoords)</a:t>
+            </a:r>
+            <a:endParaRPr lang="en-US" altLang="zh-CN" sz="1400" dirty="0"/>
+          </a:p>
+        </p:txBody>
+      </p:sp>
+      <p:pic>
+        <p:nvPicPr>
+          <p:cNvPr id="15" name="图片 14"/>
+          <p:cNvPicPr>
+            <a:picLocks noChangeAspect="1"/>
+          </p:cNvPicPr>
+          <p:nvPr/>
+        </p:nvPicPr>
+        <p:blipFill>
+          <a:blip r:embed="rId2"/>
+          <a:stretch>
+            <a:fillRect/>
+          </a:stretch>
+        </p:blipFill>
+        <p:spPr>
+          <a:xfrm>
+            <a:off x="9076326" y="265801"/>
+            <a:ext cx="2790642" cy="1706440"/>
+          </a:xfrm>
+          <a:prstGeom prst="rect">
+            <a:avLst/>
+          </a:prstGeom>
+        </p:spPr>
+      </p:pic>
+      <p:sp>
+        <p:nvSpPr>
+          <p:cNvPr id="16" name="文本框 15"/>
+          <p:cNvSpPr txBox="1"/>
+          <p:nvPr/>
+        </p:nvSpPr>
+        <p:spPr>
+          <a:xfrm>
+            <a:off x="6024798" y="353236"/>
+            <a:ext cx="3051528" cy="1015663"/>
+          </a:xfrm>
+          <a:prstGeom prst="rect">
+            <a:avLst/>
+          </a:prstGeom>
+          <a:noFill/>
+        </p:spPr>
+        <p:txBody>
+          <a:bodyPr wrap="square" rtlCol="0">
+            <a:spAutoFit/>
+          </a:bodyPr>
+          <a:lstStyle/>
+          <a:p>
+            <a:r>
+              <a:rPr lang="zh-CN" altLang="en-US" sz="1200" dirty="0" smtClean="0"/>
+              <a:t>因为</a:t>
+            </a:r>
+            <a:r>
+              <a:rPr lang="en-US" altLang="zh-CN" sz="1200" dirty="0" err="1" smtClean="0"/>
+              <a:t>Nanite</a:t>
+            </a:r>
+            <a:r>
+              <a:rPr lang="zh-CN" altLang="en-US" sz="1200" dirty="0" smtClean="0"/>
+              <a:t>的</a:t>
+            </a:r>
+            <a:r>
+              <a:rPr lang="en-US" altLang="zh-CN" sz="1200" dirty="0" smtClean="0"/>
+              <a:t>material</a:t>
+            </a:r>
+            <a:r>
+              <a:rPr lang="zh-CN" altLang="en-US" sz="1200" dirty="0" smtClean="0"/>
+              <a:t>是</a:t>
+            </a:r>
+            <a:r>
+              <a:rPr lang="en-US" altLang="zh-CN" sz="1200" dirty="0" smtClean="0"/>
+              <a:t>screen space</a:t>
+            </a:r>
+            <a:r>
+              <a:rPr lang="zh-CN" altLang="en-US" sz="1200" dirty="0" smtClean="0"/>
+              <a:t>的，所以每一个材质都需要一个</a:t>
+            </a:r>
+            <a:r>
+              <a:rPr lang="en-US" altLang="zh-CN" sz="1200" dirty="0" smtClean="0"/>
+              <a:t>pass</a:t>
+            </a:r>
+            <a:r>
+              <a:rPr lang="zh-CN" altLang="en-US" sz="1200" dirty="0" smtClean="0"/>
+              <a:t>去绘制，实际上</a:t>
+            </a:r>
+            <a:r>
+              <a:rPr lang="en-US" altLang="zh-CN" sz="1200" dirty="0" err="1" smtClean="0"/>
+              <a:t>nanite</a:t>
+            </a:r>
+            <a:r>
+              <a:rPr lang="zh-CN" altLang="en-US" sz="1200" dirty="0" smtClean="0"/>
+              <a:t>是把屏幕分成了</a:t>
+            </a:r>
+            <a:r>
+              <a:rPr lang="en-US" altLang="zh-CN" sz="1200" dirty="0" smtClean="0"/>
+              <a:t>8x8</a:t>
+            </a:r>
+            <a:r>
+              <a:rPr lang="zh-CN" altLang="en-US" sz="1200" dirty="0" smtClean="0"/>
+              <a:t>的块，然后分块统计</a:t>
+            </a:r>
+            <a:r>
+              <a:rPr lang="en-US" altLang="zh-CN" sz="1200" dirty="0" smtClean="0"/>
+              <a:t>material</a:t>
+            </a:r>
+            <a:r>
+              <a:rPr lang="zh-CN" altLang="en-US" sz="1200" dirty="0" smtClean="0"/>
+              <a:t>的种类，这个排序就是为了在</a:t>
+            </a:r>
+            <a:r>
+              <a:rPr lang="en-US" altLang="zh-CN" sz="1200" dirty="0" smtClean="0"/>
+              <a:t>GPU</a:t>
+            </a:r>
+            <a:r>
+              <a:rPr lang="zh-CN" altLang="en-US" sz="1200" dirty="0" smtClean="0"/>
+              <a:t>上快速计算</a:t>
+            </a:r>
+            <a:r>
+              <a:rPr lang="en-US" altLang="zh-CN" sz="1200" dirty="0" smtClean="0"/>
+              <a:t>material</a:t>
+            </a:r>
+            <a:r>
+              <a:rPr lang="zh-CN" altLang="en-US" sz="1200" dirty="0" smtClean="0"/>
+              <a:t>的范围</a:t>
+            </a:r>
+            <a:endParaRPr lang="en-US" altLang="zh-CN" sz="1200" dirty="0" smtClean="0"/>
+          </a:p>
+        </p:txBody>
+      </p:sp>
+      <p:cxnSp>
+        <p:nvCxnSpPr>
+          <p:cNvPr id="18" name="直接箭头连接符 17"/>
+          <p:cNvCxnSpPr>
+            <a:stCxn id="6" idx="3"/>
+            <a:endCxn id="16" idx="1"/>
+          </p:cNvCxnSpPr>
+          <p:nvPr/>
+        </p:nvCxnSpPr>
+        <p:spPr>
+          <a:xfrm flipV="1">
+            <a:off x="5656471" y="861068"/>
+            <a:ext cx="368327" cy="1021277"/>
+          </a:xfrm>
+          <a:prstGeom prst="straightConnector1">
+            <a:avLst/>
+          </a:prstGeom>
+          <a:ln>
+            <a:tailEnd type="triangle"/>
+          </a:ln>
+        </p:spPr>
+        <p:style>
+          <a:lnRef idx="1">
+            <a:schemeClr val="accent1"/>
+          </a:lnRef>
+          <a:fillRef idx="0">
+            <a:schemeClr val="accent1"/>
+          </a:fillRef>
+          <a:effectRef idx="0">
+            <a:schemeClr val="accent1"/>
+          </a:effectRef>
+          <a:fontRef idx="minor">
+            <a:schemeClr val="tx1"/>
+          </a:fontRef>
+        </p:style>
+      </p:cxnSp>
+      <p:sp>
+        <p:nvSpPr>
+          <p:cNvPr id="20" name="文本框 19"/>
+          <p:cNvSpPr txBox="1"/>
+          <p:nvPr/>
+        </p:nvSpPr>
+        <p:spPr>
+          <a:xfrm>
+            <a:off x="5932452" y="2051375"/>
+            <a:ext cx="5826860" cy="461665"/>
+          </a:xfrm>
+          <a:prstGeom prst="rect">
+            <a:avLst/>
+          </a:prstGeom>
+          <a:noFill/>
+        </p:spPr>
+        <p:txBody>
+          <a:bodyPr wrap="square" rtlCol="0">
+            <a:spAutoFit/>
+          </a:bodyPr>
+          <a:lstStyle/>
+          <a:p>
+            <a:r>
+              <a:rPr lang="zh-CN" altLang="en-US" sz="1200" dirty="0" smtClean="0"/>
+              <a:t>这里将</a:t>
+            </a:r>
+            <a:r>
+              <a:rPr lang="en-US" altLang="zh-CN" sz="1200" dirty="0" smtClean="0"/>
+              <a:t>cluster</a:t>
+            </a:r>
+            <a:r>
+              <a:rPr lang="zh-CN" altLang="en-US" sz="1200" dirty="0" smtClean="0"/>
+              <a:t>约束为只使用最高</a:t>
+            </a:r>
+            <a:r>
+              <a:rPr lang="en-US" altLang="zh-CN" sz="1200" dirty="0" smtClean="0"/>
+              <a:t>index</a:t>
+            </a:r>
+            <a:r>
+              <a:rPr lang="zh-CN" altLang="en-US" sz="1200" dirty="0" smtClean="0"/>
+              <a:t>为索引的固定</a:t>
+            </a:r>
+            <a:r>
+              <a:rPr lang="en-US" altLang="zh-CN" sz="1200" dirty="0" smtClean="0"/>
+              <a:t>cluster</a:t>
+            </a:r>
+            <a:r>
+              <a:rPr lang="zh-CN" altLang="en-US" sz="1200" dirty="0" smtClean="0"/>
+              <a:t>大小，然后用模拟退火算法对</a:t>
+            </a:r>
+            <a:r>
+              <a:rPr lang="en-US" altLang="zh-CN" sz="1200" dirty="0" smtClean="0"/>
+              <a:t>cluster</a:t>
+            </a:r>
+            <a:r>
+              <a:rPr lang="zh-CN" altLang="en-US" sz="1200" dirty="0" smtClean="0"/>
+              <a:t>里面的三角形排序做优化。再把过多顶点（大于</a:t>
+            </a:r>
+            <a:r>
+              <a:rPr lang="en-US" altLang="zh-CN" sz="1200" dirty="0" smtClean="0"/>
+              <a:t>256</a:t>
+            </a:r>
+            <a:r>
+              <a:rPr lang="zh-CN" altLang="en-US" sz="1200" dirty="0" smtClean="0"/>
+              <a:t>）的</a:t>
+            </a:r>
+            <a:r>
+              <a:rPr lang="en-US" altLang="zh-CN" sz="1200" dirty="0" smtClean="0"/>
+              <a:t>cluster</a:t>
+            </a:r>
+            <a:r>
+              <a:rPr lang="zh-CN" altLang="en-US" sz="1200" dirty="0" smtClean="0"/>
+              <a:t>拆分开。</a:t>
+            </a:r>
+            <a:endParaRPr lang="en-US" altLang="zh-CN" sz="1200" dirty="0" smtClean="0"/>
+          </a:p>
+        </p:txBody>
+      </p:sp>
+      <p:cxnSp>
+        <p:nvCxnSpPr>
+          <p:cNvPr id="21" name="直接箭头连接符 20"/>
+          <p:cNvCxnSpPr>
+            <a:stCxn id="7" idx="3"/>
+            <a:endCxn id="20" idx="1"/>
+          </p:cNvCxnSpPr>
+          <p:nvPr/>
+        </p:nvCxnSpPr>
+        <p:spPr>
+          <a:xfrm flipV="1">
+            <a:off x="5682375" y="2282208"/>
+            <a:ext cx="250077" cy="209572"/>
+          </a:xfrm>
+          <a:prstGeom prst="straightConnector1">
+            <a:avLst/>
+          </a:prstGeom>
+          <a:ln>
+            <a:tailEnd type="triangle"/>
+          </a:ln>
+        </p:spPr>
+        <p:style>
+          <a:lnRef idx="1">
+            <a:schemeClr val="accent1"/>
+          </a:lnRef>
+          <a:fillRef idx="0">
+            <a:schemeClr val="accent1"/>
+          </a:fillRef>
+          <a:effectRef idx="0">
+            <a:schemeClr val="accent1"/>
+          </a:effectRef>
+          <a:fontRef idx="minor">
+            <a:schemeClr val="tx1"/>
+          </a:fontRef>
+        </p:style>
+      </p:cxnSp>
+      <p:sp>
+        <p:nvSpPr>
+          <p:cNvPr id="24" name="文本框 23"/>
+          <p:cNvSpPr txBox="1"/>
+          <p:nvPr/>
+        </p:nvSpPr>
+        <p:spPr>
+          <a:xfrm>
+            <a:off x="6424694" y="2954458"/>
+            <a:ext cx="5826860" cy="461665"/>
+          </a:xfrm>
+          <a:prstGeom prst="rect">
+            <a:avLst/>
+          </a:prstGeom>
+          <a:noFill/>
+        </p:spPr>
+        <p:txBody>
+          <a:bodyPr wrap="square" rtlCol="0">
+            <a:spAutoFit/>
+          </a:bodyPr>
+          <a:lstStyle/>
+          <a:p>
+            <a:r>
+              <a:rPr lang="zh-CN" altLang="en-US" sz="1200" dirty="0" smtClean="0"/>
+              <a:t>这里是对</a:t>
+            </a:r>
+            <a:r>
+              <a:rPr lang="en-US" altLang="zh-CN" sz="1200" dirty="0" smtClean="0"/>
+              <a:t>position</a:t>
+            </a:r>
+            <a:r>
+              <a:rPr lang="zh-CN" altLang="en-US" sz="1200" dirty="0" smtClean="0"/>
+              <a:t>按</a:t>
+            </a:r>
+            <a:r>
+              <a:rPr lang="en-US" altLang="zh-CN" sz="1200" dirty="0" smtClean="0"/>
+              <a:t>cluster</a:t>
+            </a:r>
+            <a:r>
+              <a:rPr lang="zh-CN" altLang="en-US" sz="1200" dirty="0" smtClean="0"/>
+              <a:t>做最简单的量化压缩，因为</a:t>
+            </a:r>
+            <a:r>
+              <a:rPr lang="en-US" altLang="zh-CN" sz="1200" dirty="0" err="1" smtClean="0"/>
+              <a:t>nanite</a:t>
+            </a:r>
+            <a:r>
+              <a:rPr lang="zh-CN" altLang="en-US" sz="1200" dirty="0" smtClean="0"/>
+              <a:t>的三角形很小，所以量化压缩对最终的画质影响不会太大</a:t>
+            </a:r>
+            <a:endParaRPr lang="en-US" altLang="zh-CN" sz="1200" dirty="0" smtClean="0"/>
+          </a:p>
+        </p:txBody>
+      </p:sp>
+      <p:sp>
+        <p:nvSpPr>
+          <p:cNvPr id="25" name="文本框 24"/>
+          <p:cNvSpPr txBox="1"/>
+          <p:nvPr/>
+        </p:nvSpPr>
+        <p:spPr>
+          <a:xfrm>
+            <a:off x="6536006" y="4089251"/>
+            <a:ext cx="5826860" cy="461665"/>
+          </a:xfrm>
+          <a:prstGeom prst="rect">
+            <a:avLst/>
+          </a:prstGeom>
+          <a:noFill/>
+        </p:spPr>
+        <p:txBody>
+          <a:bodyPr wrap="square" rtlCol="0">
+            <a:spAutoFit/>
+          </a:bodyPr>
+          <a:lstStyle/>
+          <a:p>
+            <a:r>
+              <a:rPr lang="zh-CN" altLang="en-US" sz="1200" dirty="0" smtClean="0"/>
+              <a:t>计算</a:t>
+            </a:r>
+            <a:r>
+              <a:rPr lang="en-US" altLang="zh-CN" sz="1200" dirty="0" smtClean="0"/>
+              <a:t>cluster</a:t>
+            </a:r>
+            <a:r>
+              <a:rPr lang="zh-CN" altLang="en-US" sz="1200" dirty="0" smtClean="0"/>
+              <a:t>的头（类似于文件头信息），给</a:t>
+            </a:r>
+            <a:r>
+              <a:rPr lang="en-US" altLang="zh-CN" sz="1200" dirty="0" smtClean="0"/>
+              <a:t>GPU</a:t>
+            </a:r>
+            <a:r>
+              <a:rPr lang="zh-CN" altLang="en-US" sz="1200" dirty="0" smtClean="0"/>
+              <a:t>使用，包括颜色范围、材质范围、</a:t>
+            </a:r>
+            <a:endParaRPr lang="en-US" altLang="zh-CN" sz="1200" dirty="0" smtClean="0"/>
+          </a:p>
+          <a:p>
+            <a:r>
+              <a:rPr lang="en-US" altLang="zh-CN" sz="1200" dirty="0" err="1" smtClean="0"/>
+              <a:t>ddv</a:t>
+            </a:r>
+            <a:r>
+              <a:rPr lang="zh-CN" altLang="en-US" sz="1200" dirty="0" smtClean="0"/>
+              <a:t>、</a:t>
+            </a:r>
+            <a:r>
+              <a:rPr lang="en-US" altLang="zh-CN" sz="1200" dirty="0" err="1" smtClean="0"/>
+              <a:t>ddu</a:t>
+            </a:r>
+            <a:endParaRPr lang="en-US" altLang="zh-CN" sz="1200" dirty="0" smtClean="0"/>
+          </a:p>
+        </p:txBody>
+      </p:sp>
+      <p:sp>
+        <p:nvSpPr>
+          <p:cNvPr id="26" name="文本框 25"/>
+          <p:cNvSpPr txBox="1"/>
+          <p:nvPr/>
+        </p:nvSpPr>
+        <p:spPr>
+          <a:xfrm>
+            <a:off x="6536006" y="4742458"/>
+            <a:ext cx="3068391" cy="276999"/>
+          </a:xfrm>
+          <a:prstGeom prst="rect">
+            <a:avLst/>
+          </a:prstGeom>
+          <a:noFill/>
+        </p:spPr>
+        <p:txBody>
+          <a:bodyPr wrap="square" rtlCol="0">
+            <a:spAutoFit/>
+          </a:bodyPr>
+          <a:lstStyle/>
+          <a:p>
+            <a:r>
+              <a:rPr lang="zh-CN" altLang="en-US" sz="1200" dirty="0" smtClean="0"/>
+              <a:t>把上面的数据做一个页表，页表格式如下：</a:t>
+            </a:r>
+            <a:endParaRPr lang="en-US" altLang="zh-CN" sz="1200" dirty="0" smtClean="0"/>
+          </a:p>
+        </p:txBody>
+      </p:sp>
+      <p:pic>
+        <p:nvPicPr>
+          <p:cNvPr id="27" name="图片 26"/>
+          <p:cNvPicPr>
+            <a:picLocks noChangeAspect="1"/>
+          </p:cNvPicPr>
+          <p:nvPr/>
+        </p:nvPicPr>
+        <p:blipFill>
+          <a:blip r:embed="rId3"/>
+          <a:stretch>
+            <a:fillRect/>
+          </a:stretch>
+        </p:blipFill>
+        <p:spPr>
+          <a:xfrm>
+            <a:off x="9937378" y="4473973"/>
+            <a:ext cx="2099391" cy="1246715"/>
+          </a:xfrm>
+          <a:prstGeom prst="rect">
+            <a:avLst/>
+          </a:prstGeom>
+        </p:spPr>
+      </p:pic>
+      <p:sp>
+        <p:nvSpPr>
+          <p:cNvPr id="28" name="文本框 27"/>
+          <p:cNvSpPr txBox="1"/>
+          <p:nvPr/>
+        </p:nvSpPr>
+        <p:spPr>
+          <a:xfrm>
+            <a:off x="5544421" y="5393615"/>
+            <a:ext cx="3068391" cy="461665"/>
+          </a:xfrm>
+          <a:prstGeom prst="rect">
+            <a:avLst/>
+          </a:prstGeom>
+          <a:noFill/>
+        </p:spPr>
+        <p:txBody>
+          <a:bodyPr wrap="square" rtlCol="0">
+            <a:spAutoFit/>
+          </a:bodyPr>
+          <a:lstStyle/>
+          <a:p>
+            <a:r>
+              <a:rPr lang="zh-CN" altLang="en-US" sz="1200" dirty="0" smtClean="0"/>
+              <a:t>把所有的</a:t>
+            </a:r>
+            <a:r>
+              <a:rPr lang="en-US" altLang="zh-CN" sz="1200" dirty="0" smtClean="0"/>
+              <a:t>cluster</a:t>
+            </a:r>
+            <a:r>
+              <a:rPr lang="zh-CN" altLang="en-US" sz="1200" dirty="0"/>
+              <a:t> </a:t>
+            </a:r>
+            <a:r>
+              <a:rPr lang="en-US" altLang="zh-CN" sz="1200" dirty="0" smtClean="0"/>
+              <a:t>build </a:t>
+            </a:r>
+            <a:r>
+              <a:rPr lang="zh-CN" altLang="en-US" sz="1200" dirty="0" smtClean="0"/>
+              <a:t>成一个</a:t>
+            </a:r>
+            <a:r>
+              <a:rPr lang="en-US" altLang="zh-CN" sz="1200" dirty="0" smtClean="0"/>
+              <a:t>hierarchy</a:t>
+            </a:r>
+            <a:r>
+              <a:rPr lang="zh-CN" altLang="en-US" sz="1200" dirty="0" smtClean="0"/>
+              <a:t>的</a:t>
+            </a:r>
+            <a:r>
+              <a:rPr lang="en-US" altLang="zh-CN" sz="1200" dirty="0" smtClean="0"/>
+              <a:t>LOD</a:t>
+            </a:r>
+            <a:r>
+              <a:rPr lang="zh-CN" altLang="en-US" sz="1200" dirty="0" smtClean="0"/>
+              <a:t>，这里的</a:t>
+            </a:r>
+            <a:r>
+              <a:rPr lang="en-US" altLang="zh-CN" sz="1200" dirty="0" smtClean="0"/>
+              <a:t>build</a:t>
+            </a:r>
+            <a:r>
+              <a:rPr lang="zh-CN" altLang="en-US" sz="1200" dirty="0" smtClean="0"/>
+              <a:t>用到了类似简模的算法</a:t>
+            </a:r>
+            <a:endParaRPr lang="en-US" altLang="zh-CN" sz="1200" dirty="0" smtClean="0"/>
+          </a:p>
+        </p:txBody>
+      </p:sp>
+      <p:sp>
+        <p:nvSpPr>
+          <p:cNvPr id="29" name="文本框 28"/>
+          <p:cNvSpPr txBox="1"/>
+          <p:nvPr/>
+        </p:nvSpPr>
+        <p:spPr>
+          <a:xfrm>
+            <a:off x="7711059" y="6090938"/>
+            <a:ext cx="3068391" cy="276999"/>
+          </a:xfrm>
+          <a:prstGeom prst="rect">
+            <a:avLst/>
+          </a:prstGeom>
+          <a:noFill/>
+        </p:spPr>
+        <p:txBody>
+          <a:bodyPr wrap="square" rtlCol="0">
+            <a:spAutoFit/>
+          </a:bodyPr>
+          <a:lstStyle/>
+          <a:p>
+            <a:r>
+              <a:rPr lang="zh-CN" altLang="en-US" sz="1200" dirty="0" smtClean="0"/>
+              <a:t>把层级</a:t>
+            </a:r>
+            <a:r>
+              <a:rPr lang="en-US" altLang="zh-CN" sz="1200" dirty="0" err="1" smtClean="0"/>
+              <a:t>lod</a:t>
+            </a:r>
+            <a:r>
+              <a:rPr lang="zh-CN" altLang="en-US" sz="1200" dirty="0" smtClean="0"/>
+              <a:t>的数据也写到页表里面</a:t>
+            </a:r>
+            <a:endParaRPr lang="en-US" altLang="zh-CN" sz="1200" dirty="0" smtClean="0"/>
+          </a:p>
+        </p:txBody>
+      </p:sp>
     </p:spTree>
     <p:extLst>
       <p:ext uri="{BB962C8B-B14F-4D97-AF65-F5344CB8AC3E}">
@@ -9866,66 +10824,6 @@
     <p:extLst>
       <p:ext uri="{BB962C8B-B14F-4D97-AF65-F5344CB8AC3E}">
         <p14:creationId xmlns:p14="http://schemas.microsoft.com/office/powerpoint/2010/main" val="1665376121"/>
-      </p:ext>
-    </p:extLst>
-  </p:cSld>
-  <p:clrMapOvr>
-    <a:masterClrMapping/>
-  </p:clrMapOvr>
-</p:sld>
-</file>
-
-<file path=ppt/slides/slide20.xml><?xml version="1.0" encoding="utf-8"?>
-<p:sld xmlns:a="http://schemas.openxmlformats.org/drawingml/2006/main" xmlns:r="http://schemas.openxmlformats.org/officeDocument/2006/relationships" xmlns:p="http://schemas.openxmlformats.org/presentationml/2006/main">
-  <p:cSld>
-    <p:spTree>
-      <p:nvGrpSpPr>
-        <p:cNvPr id="1" name=""/>
-        <p:cNvGrpSpPr/>
-        <p:nvPr/>
-      </p:nvGrpSpPr>
-      <p:grpSpPr>
-        <a:xfrm>
-          <a:off x="0" y="0"/>
-          <a:ext cx="0" cy="0"/>
-          <a:chOff x="0" y="0"/>
-          <a:chExt cx="0" cy="0"/>
-        </a:xfrm>
-      </p:grpSpPr>
-      <p:sp>
-        <p:nvSpPr>
-          <p:cNvPr id="2" name="文本框 1"/>
-          <p:cNvSpPr txBox="1"/>
-          <p:nvPr/>
-        </p:nvSpPr>
-        <p:spPr>
-          <a:xfrm>
-            <a:off x="773723" y="620257"/>
-            <a:ext cx="1426673" cy="369332"/>
-          </a:xfrm>
-          <a:prstGeom prst="rect">
-            <a:avLst/>
-          </a:prstGeom>
-          <a:noFill/>
-        </p:spPr>
-        <p:txBody>
-          <a:bodyPr wrap="none" rtlCol="0">
-            <a:spAutoFit/>
-          </a:bodyPr>
-          <a:lstStyle/>
-          <a:p>
-            <a:r>
-              <a:rPr lang="en-US" altLang="zh-CN" dirty="0" err="1" smtClean="0"/>
-              <a:t>Rasterizer.usf</a:t>
-            </a:r>
-            <a:endParaRPr lang="zh-CN" altLang="en-US" dirty="0"/>
-          </a:p>
-        </p:txBody>
-      </p:sp>
-    </p:spTree>
-    <p:extLst>
-      <p:ext uri="{BB962C8B-B14F-4D97-AF65-F5344CB8AC3E}">
-        <p14:creationId xmlns:p14="http://schemas.microsoft.com/office/powerpoint/2010/main" val="2284559429"/>
       </p:ext>
     </p:extLst>
   </p:cSld>
